--- a/PPT/二叉树遍历问题.pptx
+++ b/PPT/二叉树遍历问题.pptx
@@ -12,6 +12,7 @@
     <p:sldId id="278" r:id="rId6"/>
     <p:sldId id="279" r:id="rId7"/>
     <p:sldId id="280" r:id="rId8"/>
+    <p:sldId id="281" r:id="rId9"/>
   </p:sldIdLst>
   <p:sldSz cx="12192000" cy="6858000"/>
   <p:notesSz cx="6858000" cy="9144000"/>
@@ -276,7 +277,7 @@
           <a:p>
             <a:fld id="{6AF5F8E3-31EE-4235-A1A1-81E42DA57221}" type="datetimeFigureOut">
               <a:rPr lang="zh-CN" altLang="en-US" smtClean="0"/>
-              <a:t>2021/8/29</a:t>
+              <a:t>2021/9/5</a:t>
             </a:fld>
             <a:endParaRPr lang="zh-CN" altLang="en-US"/>
           </a:p>
@@ -510,7 +511,7 @@
           <a:p>
             <a:fld id="{6AF5F8E3-31EE-4235-A1A1-81E42DA57221}" type="datetimeFigureOut">
               <a:rPr lang="zh-CN" altLang="en-US" smtClean="0"/>
-              <a:t>2021/8/29</a:t>
+              <a:t>2021/9/5</a:t>
             </a:fld>
             <a:endParaRPr lang="zh-CN" altLang="en-US"/>
           </a:p>
@@ -718,7 +719,7 @@
           <a:p>
             <a:fld id="{6AF5F8E3-31EE-4235-A1A1-81E42DA57221}" type="datetimeFigureOut">
               <a:rPr lang="zh-CN" altLang="en-US" smtClean="0"/>
-              <a:t>2021/8/29</a:t>
+              <a:t>2021/9/5</a:t>
             </a:fld>
             <a:endParaRPr lang="zh-CN" altLang="en-US"/>
           </a:p>
@@ -916,7 +917,7 @@
           <a:p>
             <a:fld id="{6AF5F8E3-31EE-4235-A1A1-81E42DA57221}" type="datetimeFigureOut">
               <a:rPr lang="zh-CN" altLang="en-US" smtClean="0"/>
-              <a:t>2021/8/29</a:t>
+              <a:t>2021/9/5</a:t>
             </a:fld>
             <a:endParaRPr lang="zh-CN" altLang="en-US"/>
           </a:p>
@@ -1191,7 +1192,7 @@
           <a:p>
             <a:fld id="{6AF5F8E3-31EE-4235-A1A1-81E42DA57221}" type="datetimeFigureOut">
               <a:rPr lang="zh-CN" altLang="en-US" smtClean="0"/>
-              <a:t>2021/8/29</a:t>
+              <a:t>2021/9/5</a:t>
             </a:fld>
             <a:endParaRPr lang="zh-CN" altLang="en-US"/>
           </a:p>
@@ -1456,7 +1457,7 @@
           <a:p>
             <a:fld id="{6AF5F8E3-31EE-4235-A1A1-81E42DA57221}" type="datetimeFigureOut">
               <a:rPr lang="zh-CN" altLang="en-US" smtClean="0"/>
-              <a:t>2021/8/29</a:t>
+              <a:t>2021/9/5</a:t>
             </a:fld>
             <a:endParaRPr lang="zh-CN" altLang="en-US"/>
           </a:p>
@@ -1868,7 +1869,7 @@
           <a:p>
             <a:fld id="{6AF5F8E3-31EE-4235-A1A1-81E42DA57221}" type="datetimeFigureOut">
               <a:rPr lang="zh-CN" altLang="en-US" smtClean="0"/>
-              <a:t>2021/8/29</a:t>
+              <a:t>2021/9/5</a:t>
             </a:fld>
             <a:endParaRPr lang="zh-CN" altLang="en-US"/>
           </a:p>
@@ -2009,7 +2010,7 @@
           <a:p>
             <a:fld id="{6AF5F8E3-31EE-4235-A1A1-81E42DA57221}" type="datetimeFigureOut">
               <a:rPr lang="zh-CN" altLang="en-US" smtClean="0"/>
-              <a:t>2021/8/29</a:t>
+              <a:t>2021/9/5</a:t>
             </a:fld>
             <a:endParaRPr lang="zh-CN" altLang="en-US"/>
           </a:p>
@@ -2122,7 +2123,7 @@
           <a:p>
             <a:fld id="{6AF5F8E3-31EE-4235-A1A1-81E42DA57221}" type="datetimeFigureOut">
               <a:rPr lang="zh-CN" altLang="en-US" smtClean="0"/>
-              <a:t>2021/8/29</a:t>
+              <a:t>2021/9/5</a:t>
             </a:fld>
             <a:endParaRPr lang="zh-CN" altLang="en-US"/>
           </a:p>
@@ -2433,7 +2434,7 @@
           <a:p>
             <a:fld id="{6AF5F8E3-31EE-4235-A1A1-81E42DA57221}" type="datetimeFigureOut">
               <a:rPr lang="zh-CN" altLang="en-US" smtClean="0"/>
-              <a:t>2021/8/29</a:t>
+              <a:t>2021/9/5</a:t>
             </a:fld>
             <a:endParaRPr lang="zh-CN" altLang="en-US"/>
           </a:p>
@@ -2721,7 +2722,7 @@
           <a:p>
             <a:fld id="{6AF5F8E3-31EE-4235-A1A1-81E42DA57221}" type="datetimeFigureOut">
               <a:rPr lang="zh-CN" altLang="en-US" smtClean="0"/>
-              <a:t>2021/8/29</a:t>
+              <a:t>2021/9/5</a:t>
             </a:fld>
             <a:endParaRPr lang="zh-CN" altLang="en-US"/>
           </a:p>
@@ -2962,7 +2963,7 @@
           <a:p>
             <a:fld id="{6AF5F8E3-31EE-4235-A1A1-81E42DA57221}" type="datetimeFigureOut">
               <a:rPr lang="zh-CN" altLang="en-US" smtClean="0"/>
-              <a:t>2021/8/29</a:t>
+              <a:t>2021/9/5</a:t>
             </a:fld>
             <a:endParaRPr lang="zh-CN" altLang="en-US"/>
           </a:p>
@@ -6461,6 +6462,2271 @@
 </p:sld>
 </file>
 
+<file path=ppt/slides/slide8.xml><?xml version="1.0" encoding="utf-8"?>
+<p:sld xmlns:a="http://schemas.openxmlformats.org/drawingml/2006/main" xmlns:r="http://schemas.openxmlformats.org/officeDocument/2006/relationships" xmlns:p="http://schemas.openxmlformats.org/presentationml/2006/main">
+  <p:cSld>
+    <p:spTree>
+      <p:nvGrpSpPr>
+        <p:cNvPr id="1" name=""/>
+        <p:cNvGrpSpPr/>
+        <p:nvPr/>
+      </p:nvGrpSpPr>
+      <p:grpSpPr>
+        <a:xfrm>
+          <a:off x="0" y="0"/>
+          <a:ext cx="0" cy="0"/>
+          <a:chOff x="0" y="0"/>
+          <a:chExt cx="0" cy="0"/>
+        </a:xfrm>
+      </p:grpSpPr>
+      <p:sp>
+        <p:nvSpPr>
+          <p:cNvPr id="14" name="矩形: 圆角 13">
+            <a:extLst>
+              <a:ext uri="{FF2B5EF4-FFF2-40B4-BE49-F238E27FC236}">
+                <a16:creationId xmlns:a16="http://schemas.microsoft.com/office/drawing/2014/main" id="{29C3B6B0-7D9D-4BF1-AE09-8575DEAF6D57}"/>
+              </a:ext>
+            </a:extLst>
+          </p:cNvPr>
+          <p:cNvSpPr/>
+          <p:nvPr/>
+        </p:nvSpPr>
+        <p:spPr>
+          <a:xfrm>
+            <a:off x="3858827" y="3887634"/>
+            <a:ext cx="559293" cy="506028"/>
+          </a:xfrm>
+          <a:prstGeom prst="roundRect">
+            <a:avLst/>
+          </a:prstGeom>
+          <a:solidFill>
+            <a:schemeClr val="accent4">
+              <a:lumMod val="20000"/>
+              <a:lumOff val="80000"/>
+            </a:schemeClr>
+          </a:solidFill>
+          <a:ln w="12700">
+            <a:solidFill>
+              <a:schemeClr val="tx1"/>
+            </a:solidFill>
+          </a:ln>
+        </p:spPr>
+        <p:style>
+          <a:lnRef idx="2">
+            <a:schemeClr val="dk1"/>
+          </a:lnRef>
+          <a:fillRef idx="1">
+            <a:schemeClr val="lt1"/>
+          </a:fillRef>
+          <a:effectRef idx="0">
+            <a:schemeClr val="dk1"/>
+          </a:effectRef>
+          <a:fontRef idx="minor">
+            <a:schemeClr val="dk1"/>
+          </a:fontRef>
+        </p:style>
+        <p:txBody>
+          <a:bodyPr rtlCol="0" anchor="ctr"/>
+          <a:lstStyle/>
+          <a:p>
+            <a:pPr algn="ctr"/>
+            <a:r>
+              <a:rPr lang="en-US" altLang="zh-CN" dirty="0"/>
+              <a:t>A</a:t>
+            </a:r>
+            <a:endParaRPr lang="zh-CN" altLang="en-US" dirty="0"/>
+          </a:p>
+        </p:txBody>
+      </p:sp>
+      <p:sp>
+        <p:nvSpPr>
+          <p:cNvPr id="15" name="矩形: 圆角 14">
+            <a:extLst>
+              <a:ext uri="{FF2B5EF4-FFF2-40B4-BE49-F238E27FC236}">
+                <a16:creationId xmlns:a16="http://schemas.microsoft.com/office/drawing/2014/main" id="{8B75F03F-D2F4-4B98-B734-8D89781496C7}"/>
+              </a:ext>
+            </a:extLst>
+          </p:cNvPr>
+          <p:cNvSpPr/>
+          <p:nvPr/>
+        </p:nvSpPr>
+        <p:spPr>
+          <a:xfrm>
+            <a:off x="6095998" y="3887096"/>
+            <a:ext cx="559293" cy="506028"/>
+          </a:xfrm>
+          <a:prstGeom prst="roundRect">
+            <a:avLst/>
+          </a:prstGeom>
+          <a:solidFill>
+            <a:schemeClr val="accent5">
+              <a:lumMod val="20000"/>
+              <a:lumOff val="80000"/>
+            </a:schemeClr>
+          </a:solidFill>
+          <a:ln w="12700">
+            <a:solidFill>
+              <a:schemeClr val="tx1"/>
+            </a:solidFill>
+          </a:ln>
+        </p:spPr>
+        <p:style>
+          <a:lnRef idx="2">
+            <a:schemeClr val="dk1"/>
+          </a:lnRef>
+          <a:fillRef idx="1">
+            <a:schemeClr val="lt1"/>
+          </a:fillRef>
+          <a:effectRef idx="0">
+            <a:schemeClr val="dk1"/>
+          </a:effectRef>
+          <a:fontRef idx="minor">
+            <a:schemeClr val="dk1"/>
+          </a:fontRef>
+        </p:style>
+        <p:txBody>
+          <a:bodyPr rtlCol="0" anchor="ctr"/>
+          <a:lstStyle/>
+          <a:p>
+            <a:pPr algn="ctr"/>
+            <a:r>
+              <a:rPr lang="en-US" altLang="zh-CN" dirty="0"/>
+              <a:t>E</a:t>
+            </a:r>
+            <a:endParaRPr lang="zh-CN" altLang="en-US" dirty="0"/>
+          </a:p>
+        </p:txBody>
+      </p:sp>
+      <p:sp>
+        <p:nvSpPr>
+          <p:cNvPr id="16" name="矩形: 圆角 15">
+            <a:extLst>
+              <a:ext uri="{FF2B5EF4-FFF2-40B4-BE49-F238E27FC236}">
+                <a16:creationId xmlns:a16="http://schemas.microsoft.com/office/drawing/2014/main" id="{E22F66C6-FB19-4D1F-9751-900C776172D7}"/>
+              </a:ext>
+            </a:extLst>
+          </p:cNvPr>
+          <p:cNvSpPr/>
+          <p:nvPr/>
+        </p:nvSpPr>
+        <p:spPr>
+          <a:xfrm>
+            <a:off x="7214584" y="3885381"/>
+            <a:ext cx="559293" cy="506028"/>
+          </a:xfrm>
+          <a:prstGeom prst="roundRect">
+            <a:avLst/>
+          </a:prstGeom>
+          <a:solidFill>
+            <a:schemeClr val="accent6">
+              <a:lumMod val="20000"/>
+              <a:lumOff val="80000"/>
+            </a:schemeClr>
+          </a:solidFill>
+          <a:ln w="12700">
+            <a:solidFill>
+              <a:schemeClr val="tx1"/>
+            </a:solidFill>
+          </a:ln>
+        </p:spPr>
+        <p:style>
+          <a:lnRef idx="2">
+            <a:schemeClr val="dk1"/>
+          </a:lnRef>
+          <a:fillRef idx="1">
+            <a:schemeClr val="lt1"/>
+          </a:fillRef>
+          <a:effectRef idx="0">
+            <a:schemeClr val="dk1"/>
+          </a:effectRef>
+          <a:fontRef idx="minor">
+            <a:schemeClr val="dk1"/>
+          </a:fontRef>
+        </p:style>
+        <p:txBody>
+          <a:bodyPr rtlCol="0" anchor="ctr"/>
+          <a:lstStyle/>
+          <a:p>
+            <a:pPr algn="ctr"/>
+            <a:r>
+              <a:rPr lang="en-US" altLang="zh-CN" dirty="0"/>
+              <a:t>G</a:t>
+            </a:r>
+            <a:endParaRPr lang="zh-CN" altLang="en-US" dirty="0"/>
+          </a:p>
+        </p:txBody>
+      </p:sp>
+      <p:sp>
+        <p:nvSpPr>
+          <p:cNvPr id="5" name="文本框 4">
+            <a:extLst>
+              <a:ext uri="{FF2B5EF4-FFF2-40B4-BE49-F238E27FC236}">
+                <a16:creationId xmlns:a16="http://schemas.microsoft.com/office/drawing/2014/main" id="{E59BF187-B7ED-4487-8EF1-A1EC60E155F3}"/>
+              </a:ext>
+            </a:extLst>
+          </p:cNvPr>
+          <p:cNvSpPr txBox="1"/>
+          <p:nvPr/>
+        </p:nvSpPr>
+        <p:spPr>
+          <a:xfrm>
+            <a:off x="0" y="0"/>
+            <a:ext cx="2901462" cy="584775"/>
+          </a:xfrm>
+          <a:prstGeom prst="rect">
+            <a:avLst/>
+          </a:prstGeom>
+          <a:noFill/>
+          <a:ln w="12700">
+            <a:solidFill>
+              <a:schemeClr val="tx1"/>
+            </a:solidFill>
+          </a:ln>
+        </p:spPr>
+        <p:txBody>
+          <a:bodyPr wrap="square" rtlCol="0">
+            <a:spAutoFit/>
+          </a:bodyPr>
+          <a:lstStyle/>
+          <a:p>
+            <a:r>
+              <a:rPr lang="zh-CN" altLang="en-US" sz="3200" b="1" dirty="0">
+                <a:latin typeface="微软雅黑" panose="020B0503020204020204" pitchFamily="34" charset="-122"/>
+                <a:ea typeface="微软雅黑" panose="020B0503020204020204" pitchFamily="34" charset="-122"/>
+              </a:rPr>
+              <a:t>层序遍历</a:t>
+            </a:r>
+          </a:p>
+        </p:txBody>
+      </p:sp>
+      <p:sp>
+        <p:nvSpPr>
+          <p:cNvPr id="9" name="矩形: 圆角 8">
+            <a:extLst>
+              <a:ext uri="{FF2B5EF4-FFF2-40B4-BE49-F238E27FC236}">
+                <a16:creationId xmlns:a16="http://schemas.microsoft.com/office/drawing/2014/main" id="{0E7096A5-7B13-4D63-B410-5218ADC2079F}"/>
+              </a:ext>
+            </a:extLst>
+          </p:cNvPr>
+          <p:cNvSpPr/>
+          <p:nvPr/>
+        </p:nvSpPr>
+        <p:spPr>
+          <a:xfrm>
+            <a:off x="5536705" y="3887096"/>
+            <a:ext cx="559293" cy="506028"/>
+          </a:xfrm>
+          <a:prstGeom prst="roundRect">
+            <a:avLst/>
+          </a:prstGeom>
+          <a:solidFill>
+            <a:schemeClr val="accent5">
+              <a:lumMod val="20000"/>
+              <a:lumOff val="80000"/>
+            </a:schemeClr>
+          </a:solidFill>
+          <a:ln w="12700">
+            <a:solidFill>
+              <a:schemeClr val="tx1"/>
+            </a:solidFill>
+          </a:ln>
+        </p:spPr>
+        <p:style>
+          <a:lnRef idx="2">
+            <a:schemeClr val="dk1"/>
+          </a:lnRef>
+          <a:fillRef idx="1">
+            <a:schemeClr val="lt1"/>
+          </a:fillRef>
+          <a:effectRef idx="0">
+            <a:schemeClr val="dk1"/>
+          </a:effectRef>
+          <a:fontRef idx="minor">
+            <a:schemeClr val="dk1"/>
+          </a:fontRef>
+        </p:style>
+        <p:txBody>
+          <a:bodyPr rtlCol="0" anchor="ctr"/>
+          <a:lstStyle/>
+          <a:p>
+            <a:pPr algn="ctr"/>
+            <a:r>
+              <a:rPr lang="en-US" altLang="zh-CN" dirty="0"/>
+              <a:t>D</a:t>
+            </a:r>
+            <a:endParaRPr lang="zh-CN" altLang="en-US" dirty="0"/>
+          </a:p>
+        </p:txBody>
+      </p:sp>
+      <p:sp>
+        <p:nvSpPr>
+          <p:cNvPr id="10" name="矩形: 圆角 9">
+            <a:extLst>
+              <a:ext uri="{FF2B5EF4-FFF2-40B4-BE49-F238E27FC236}">
+                <a16:creationId xmlns:a16="http://schemas.microsoft.com/office/drawing/2014/main" id="{CAD52D5E-FFF1-4F3C-98C9-1B948ABB3AB9}"/>
+              </a:ext>
+            </a:extLst>
+          </p:cNvPr>
+          <p:cNvSpPr/>
+          <p:nvPr/>
+        </p:nvSpPr>
+        <p:spPr>
+          <a:xfrm>
+            <a:off x="4418120" y="3887096"/>
+            <a:ext cx="559293" cy="506028"/>
+          </a:xfrm>
+          <a:prstGeom prst="roundRect">
+            <a:avLst/>
+          </a:prstGeom>
+          <a:solidFill>
+            <a:schemeClr val="accent5">
+              <a:lumMod val="20000"/>
+              <a:lumOff val="80000"/>
+            </a:schemeClr>
+          </a:solidFill>
+          <a:ln w="12700">
+            <a:solidFill>
+              <a:schemeClr val="tx1"/>
+            </a:solidFill>
+          </a:ln>
+        </p:spPr>
+        <p:style>
+          <a:lnRef idx="2">
+            <a:schemeClr val="dk1"/>
+          </a:lnRef>
+          <a:fillRef idx="1">
+            <a:schemeClr val="lt1"/>
+          </a:fillRef>
+          <a:effectRef idx="0">
+            <a:schemeClr val="dk1"/>
+          </a:effectRef>
+          <a:fontRef idx="minor">
+            <a:schemeClr val="dk1"/>
+          </a:fontRef>
+        </p:style>
+        <p:txBody>
+          <a:bodyPr rtlCol="0" anchor="ctr"/>
+          <a:lstStyle/>
+          <a:p>
+            <a:pPr algn="ctr"/>
+            <a:r>
+              <a:rPr lang="en-US" altLang="zh-CN" dirty="0"/>
+              <a:t>B</a:t>
+            </a:r>
+            <a:endParaRPr lang="zh-CN" altLang="en-US" dirty="0"/>
+          </a:p>
+        </p:txBody>
+      </p:sp>
+      <p:sp>
+        <p:nvSpPr>
+          <p:cNvPr id="11" name="矩形: 圆角 10">
+            <a:extLst>
+              <a:ext uri="{FF2B5EF4-FFF2-40B4-BE49-F238E27FC236}">
+                <a16:creationId xmlns:a16="http://schemas.microsoft.com/office/drawing/2014/main" id="{2D4B56C6-C232-4BD1-A5C1-5FAA4C440BB0}"/>
+              </a:ext>
+            </a:extLst>
+          </p:cNvPr>
+          <p:cNvSpPr/>
+          <p:nvPr/>
+        </p:nvSpPr>
+        <p:spPr>
+          <a:xfrm>
+            <a:off x="6655292" y="3894257"/>
+            <a:ext cx="559293" cy="506028"/>
+          </a:xfrm>
+          <a:prstGeom prst="roundRect">
+            <a:avLst/>
+          </a:prstGeom>
+          <a:solidFill>
+            <a:schemeClr val="accent6">
+              <a:lumMod val="20000"/>
+              <a:lumOff val="80000"/>
+            </a:schemeClr>
+          </a:solidFill>
+          <a:ln w="12700">
+            <a:solidFill>
+              <a:schemeClr val="tx1"/>
+            </a:solidFill>
+          </a:ln>
+        </p:spPr>
+        <p:style>
+          <a:lnRef idx="2">
+            <a:schemeClr val="dk1"/>
+          </a:lnRef>
+          <a:fillRef idx="1">
+            <a:schemeClr val="lt1"/>
+          </a:fillRef>
+          <a:effectRef idx="0">
+            <a:schemeClr val="dk1"/>
+          </a:effectRef>
+          <a:fontRef idx="minor">
+            <a:schemeClr val="dk1"/>
+          </a:fontRef>
+        </p:style>
+        <p:txBody>
+          <a:bodyPr rtlCol="0" anchor="ctr"/>
+          <a:lstStyle/>
+          <a:p>
+            <a:pPr algn="ctr"/>
+            <a:r>
+              <a:rPr lang="en-US" altLang="zh-CN" dirty="0"/>
+              <a:t>F</a:t>
+            </a:r>
+            <a:endParaRPr lang="zh-CN" altLang="en-US" dirty="0"/>
+          </a:p>
+        </p:txBody>
+      </p:sp>
+      <p:sp>
+        <p:nvSpPr>
+          <p:cNvPr id="12" name="矩形: 圆角 11">
+            <a:extLst>
+              <a:ext uri="{FF2B5EF4-FFF2-40B4-BE49-F238E27FC236}">
+                <a16:creationId xmlns:a16="http://schemas.microsoft.com/office/drawing/2014/main" id="{43374892-4DB7-41F6-9DB6-9A53E254DAA5}"/>
+              </a:ext>
+            </a:extLst>
+          </p:cNvPr>
+          <p:cNvSpPr/>
+          <p:nvPr/>
+        </p:nvSpPr>
+        <p:spPr>
+          <a:xfrm>
+            <a:off x="4977413" y="3887096"/>
+            <a:ext cx="559293" cy="506028"/>
+          </a:xfrm>
+          <a:prstGeom prst="roundRect">
+            <a:avLst/>
+          </a:prstGeom>
+          <a:solidFill>
+            <a:schemeClr val="accent6">
+              <a:lumMod val="20000"/>
+              <a:lumOff val="80000"/>
+            </a:schemeClr>
+          </a:solidFill>
+          <a:ln w="12700">
+            <a:solidFill>
+              <a:schemeClr val="tx1"/>
+            </a:solidFill>
+          </a:ln>
+        </p:spPr>
+        <p:style>
+          <a:lnRef idx="2">
+            <a:schemeClr val="dk1"/>
+          </a:lnRef>
+          <a:fillRef idx="1">
+            <a:schemeClr val="lt1"/>
+          </a:fillRef>
+          <a:effectRef idx="0">
+            <a:schemeClr val="dk1"/>
+          </a:effectRef>
+          <a:fontRef idx="minor">
+            <a:schemeClr val="dk1"/>
+          </a:fontRef>
+        </p:style>
+        <p:txBody>
+          <a:bodyPr rtlCol="0" anchor="ctr"/>
+          <a:lstStyle/>
+          <a:p>
+            <a:pPr algn="ctr"/>
+            <a:r>
+              <a:rPr lang="en-US" altLang="zh-CN" dirty="0"/>
+              <a:t>C</a:t>
+            </a:r>
+            <a:endParaRPr lang="zh-CN" altLang="en-US" dirty="0"/>
+          </a:p>
+        </p:txBody>
+      </p:sp>
+      <p:sp>
+        <p:nvSpPr>
+          <p:cNvPr id="6" name="椭圆 5">
+            <a:extLst>
+              <a:ext uri="{FF2B5EF4-FFF2-40B4-BE49-F238E27FC236}">
+                <a16:creationId xmlns:a16="http://schemas.microsoft.com/office/drawing/2014/main" id="{1A1F5884-2AD3-40D0-B8AF-C08C46BE61CD}"/>
+              </a:ext>
+            </a:extLst>
+          </p:cNvPr>
+          <p:cNvSpPr/>
+          <p:nvPr/>
+        </p:nvSpPr>
+        <p:spPr>
+          <a:xfrm>
+            <a:off x="5662487" y="1532792"/>
+            <a:ext cx="307731" cy="307731"/>
+          </a:xfrm>
+          <a:prstGeom prst="ellipse">
+            <a:avLst/>
+          </a:prstGeom>
+          <a:noFill/>
+          <a:ln w="12700">
+            <a:solidFill>
+              <a:schemeClr val="tx1"/>
+            </a:solidFill>
+          </a:ln>
+        </p:spPr>
+        <p:style>
+          <a:lnRef idx="2">
+            <a:schemeClr val="accent1">
+              <a:shade val="50000"/>
+            </a:schemeClr>
+          </a:lnRef>
+          <a:fillRef idx="1">
+            <a:schemeClr val="accent1"/>
+          </a:fillRef>
+          <a:effectRef idx="0">
+            <a:schemeClr val="accent1"/>
+          </a:effectRef>
+          <a:fontRef idx="minor">
+            <a:schemeClr val="lt1"/>
+          </a:fontRef>
+        </p:style>
+        <p:txBody>
+          <a:bodyPr rtlCol="0" anchor="ctr"/>
+          <a:lstStyle/>
+          <a:p>
+            <a:pPr algn="ctr"/>
+            <a:r>
+              <a:rPr lang="en-US" altLang="zh-CN" dirty="0">
+                <a:solidFill>
+                  <a:schemeClr val="tx1"/>
+                </a:solidFill>
+              </a:rPr>
+              <a:t>A</a:t>
+            </a:r>
+            <a:endParaRPr lang="zh-CN" altLang="en-US" dirty="0">
+              <a:solidFill>
+                <a:schemeClr val="tx1"/>
+              </a:solidFill>
+            </a:endParaRPr>
+          </a:p>
+        </p:txBody>
+      </p:sp>
+      <p:sp>
+        <p:nvSpPr>
+          <p:cNvPr id="20" name="椭圆 19">
+            <a:extLst>
+              <a:ext uri="{FF2B5EF4-FFF2-40B4-BE49-F238E27FC236}">
+                <a16:creationId xmlns:a16="http://schemas.microsoft.com/office/drawing/2014/main" id="{BB787D6D-7AED-42D8-9BC4-D85B29C511BE}"/>
+              </a:ext>
+            </a:extLst>
+          </p:cNvPr>
+          <p:cNvSpPr/>
+          <p:nvPr/>
+        </p:nvSpPr>
+        <p:spPr>
+          <a:xfrm>
+            <a:off x="4856277" y="2170293"/>
+            <a:ext cx="307731" cy="307731"/>
+          </a:xfrm>
+          <a:prstGeom prst="ellipse">
+            <a:avLst/>
+          </a:prstGeom>
+          <a:noFill/>
+          <a:ln w="12700">
+            <a:solidFill>
+              <a:schemeClr val="tx1"/>
+            </a:solidFill>
+          </a:ln>
+        </p:spPr>
+        <p:style>
+          <a:lnRef idx="2">
+            <a:schemeClr val="accent1">
+              <a:shade val="50000"/>
+            </a:schemeClr>
+          </a:lnRef>
+          <a:fillRef idx="1">
+            <a:schemeClr val="accent1"/>
+          </a:fillRef>
+          <a:effectRef idx="0">
+            <a:schemeClr val="accent1"/>
+          </a:effectRef>
+          <a:fontRef idx="minor">
+            <a:schemeClr val="lt1"/>
+          </a:fontRef>
+        </p:style>
+        <p:txBody>
+          <a:bodyPr rtlCol="0" anchor="ctr"/>
+          <a:lstStyle/>
+          <a:p>
+            <a:pPr algn="ctr"/>
+            <a:r>
+              <a:rPr lang="en-US" altLang="zh-CN" dirty="0">
+                <a:solidFill>
+                  <a:schemeClr val="tx1"/>
+                </a:solidFill>
+              </a:rPr>
+              <a:t>B</a:t>
+            </a:r>
+            <a:endParaRPr lang="zh-CN" altLang="en-US" dirty="0">
+              <a:solidFill>
+                <a:schemeClr val="tx1"/>
+              </a:solidFill>
+            </a:endParaRPr>
+          </a:p>
+        </p:txBody>
+      </p:sp>
+      <p:sp>
+        <p:nvSpPr>
+          <p:cNvPr id="21" name="椭圆 20">
+            <a:extLst>
+              <a:ext uri="{FF2B5EF4-FFF2-40B4-BE49-F238E27FC236}">
+                <a16:creationId xmlns:a16="http://schemas.microsoft.com/office/drawing/2014/main" id="{C92FF02C-0048-41B7-909D-EDA6383B83E7}"/>
+              </a:ext>
+            </a:extLst>
+          </p:cNvPr>
+          <p:cNvSpPr/>
+          <p:nvPr/>
+        </p:nvSpPr>
+        <p:spPr>
+          <a:xfrm>
+            <a:off x="6501427" y="2170294"/>
+            <a:ext cx="307731" cy="307731"/>
+          </a:xfrm>
+          <a:prstGeom prst="ellipse">
+            <a:avLst/>
+          </a:prstGeom>
+          <a:noFill/>
+          <a:ln w="12700">
+            <a:solidFill>
+              <a:schemeClr val="tx1"/>
+            </a:solidFill>
+          </a:ln>
+        </p:spPr>
+        <p:style>
+          <a:lnRef idx="2">
+            <a:schemeClr val="accent1">
+              <a:shade val="50000"/>
+            </a:schemeClr>
+          </a:lnRef>
+          <a:fillRef idx="1">
+            <a:schemeClr val="accent1"/>
+          </a:fillRef>
+          <a:effectRef idx="0">
+            <a:schemeClr val="accent1"/>
+          </a:effectRef>
+          <a:fontRef idx="minor">
+            <a:schemeClr val="lt1"/>
+          </a:fontRef>
+        </p:style>
+        <p:txBody>
+          <a:bodyPr rtlCol="0" anchor="ctr"/>
+          <a:lstStyle/>
+          <a:p>
+            <a:pPr algn="ctr"/>
+            <a:r>
+              <a:rPr lang="en-US" altLang="zh-CN" dirty="0">
+                <a:solidFill>
+                  <a:schemeClr val="tx1"/>
+                </a:solidFill>
+              </a:rPr>
+              <a:t>C</a:t>
+            </a:r>
+            <a:endParaRPr lang="zh-CN" altLang="en-US" dirty="0">
+              <a:solidFill>
+                <a:schemeClr val="tx1"/>
+              </a:solidFill>
+            </a:endParaRPr>
+          </a:p>
+        </p:txBody>
+      </p:sp>
+      <p:sp>
+        <p:nvSpPr>
+          <p:cNvPr id="22" name="椭圆 21">
+            <a:extLst>
+              <a:ext uri="{FF2B5EF4-FFF2-40B4-BE49-F238E27FC236}">
+                <a16:creationId xmlns:a16="http://schemas.microsoft.com/office/drawing/2014/main" id="{6972924C-A05A-4A9D-9914-54B54ACBBCE3}"/>
+              </a:ext>
+            </a:extLst>
+          </p:cNvPr>
+          <p:cNvSpPr/>
+          <p:nvPr/>
+        </p:nvSpPr>
+        <p:spPr>
+          <a:xfrm>
+            <a:off x="4390036" y="2847242"/>
+            <a:ext cx="307731" cy="307731"/>
+          </a:xfrm>
+          <a:prstGeom prst="ellipse">
+            <a:avLst/>
+          </a:prstGeom>
+          <a:noFill/>
+          <a:ln w="12700">
+            <a:solidFill>
+              <a:schemeClr val="tx1"/>
+            </a:solidFill>
+          </a:ln>
+        </p:spPr>
+        <p:style>
+          <a:lnRef idx="2">
+            <a:schemeClr val="accent1">
+              <a:shade val="50000"/>
+            </a:schemeClr>
+          </a:lnRef>
+          <a:fillRef idx="1">
+            <a:schemeClr val="accent1"/>
+          </a:fillRef>
+          <a:effectRef idx="0">
+            <a:schemeClr val="accent1"/>
+          </a:effectRef>
+          <a:fontRef idx="minor">
+            <a:schemeClr val="lt1"/>
+          </a:fontRef>
+        </p:style>
+        <p:txBody>
+          <a:bodyPr rtlCol="0" anchor="ctr"/>
+          <a:lstStyle/>
+          <a:p>
+            <a:pPr algn="ctr"/>
+            <a:r>
+              <a:rPr lang="en-US" altLang="zh-CN" dirty="0">
+                <a:solidFill>
+                  <a:schemeClr val="tx1"/>
+                </a:solidFill>
+              </a:rPr>
+              <a:t>D</a:t>
+            </a:r>
+            <a:endParaRPr lang="zh-CN" altLang="en-US" dirty="0">
+              <a:solidFill>
+                <a:schemeClr val="tx1"/>
+              </a:solidFill>
+            </a:endParaRPr>
+          </a:p>
+        </p:txBody>
+      </p:sp>
+      <p:sp>
+        <p:nvSpPr>
+          <p:cNvPr id="23" name="椭圆 22">
+            <a:extLst>
+              <a:ext uri="{FF2B5EF4-FFF2-40B4-BE49-F238E27FC236}">
+                <a16:creationId xmlns:a16="http://schemas.microsoft.com/office/drawing/2014/main" id="{1AFB00B7-1920-496D-96F8-082BC1BF4A26}"/>
+              </a:ext>
+            </a:extLst>
+          </p:cNvPr>
+          <p:cNvSpPr/>
+          <p:nvPr/>
+        </p:nvSpPr>
+        <p:spPr>
+          <a:xfrm>
+            <a:off x="5257060" y="2847242"/>
+            <a:ext cx="307731" cy="307731"/>
+          </a:xfrm>
+          <a:prstGeom prst="ellipse">
+            <a:avLst/>
+          </a:prstGeom>
+          <a:noFill/>
+          <a:ln w="12700">
+            <a:solidFill>
+              <a:schemeClr val="tx1"/>
+            </a:solidFill>
+          </a:ln>
+        </p:spPr>
+        <p:style>
+          <a:lnRef idx="2">
+            <a:schemeClr val="accent1">
+              <a:shade val="50000"/>
+            </a:schemeClr>
+          </a:lnRef>
+          <a:fillRef idx="1">
+            <a:schemeClr val="accent1"/>
+          </a:fillRef>
+          <a:effectRef idx="0">
+            <a:schemeClr val="accent1"/>
+          </a:effectRef>
+          <a:fontRef idx="minor">
+            <a:schemeClr val="lt1"/>
+          </a:fontRef>
+        </p:style>
+        <p:txBody>
+          <a:bodyPr rtlCol="0" anchor="ctr"/>
+          <a:lstStyle/>
+          <a:p>
+            <a:pPr algn="ctr"/>
+            <a:r>
+              <a:rPr lang="en-US" altLang="zh-CN" dirty="0">
+                <a:solidFill>
+                  <a:schemeClr val="tx1"/>
+                </a:solidFill>
+              </a:rPr>
+              <a:t>E</a:t>
+            </a:r>
+            <a:endParaRPr lang="zh-CN" altLang="en-US" dirty="0">
+              <a:solidFill>
+                <a:schemeClr val="tx1"/>
+              </a:solidFill>
+            </a:endParaRPr>
+          </a:p>
+        </p:txBody>
+      </p:sp>
+      <p:sp>
+        <p:nvSpPr>
+          <p:cNvPr id="24" name="椭圆 23">
+            <a:extLst>
+              <a:ext uri="{FF2B5EF4-FFF2-40B4-BE49-F238E27FC236}">
+                <a16:creationId xmlns:a16="http://schemas.microsoft.com/office/drawing/2014/main" id="{B92EFB96-CEF2-4DDD-999A-7E15BF8CB332}"/>
+              </a:ext>
+            </a:extLst>
+          </p:cNvPr>
+          <p:cNvSpPr/>
+          <p:nvPr/>
+        </p:nvSpPr>
+        <p:spPr>
+          <a:xfrm>
+            <a:off x="6067915" y="2840080"/>
+            <a:ext cx="307731" cy="307731"/>
+          </a:xfrm>
+          <a:prstGeom prst="ellipse">
+            <a:avLst/>
+          </a:prstGeom>
+          <a:noFill/>
+          <a:ln w="12700">
+            <a:solidFill>
+              <a:schemeClr val="tx1"/>
+            </a:solidFill>
+          </a:ln>
+        </p:spPr>
+        <p:style>
+          <a:lnRef idx="2">
+            <a:schemeClr val="accent1">
+              <a:shade val="50000"/>
+            </a:schemeClr>
+          </a:lnRef>
+          <a:fillRef idx="1">
+            <a:schemeClr val="accent1"/>
+          </a:fillRef>
+          <a:effectRef idx="0">
+            <a:schemeClr val="accent1"/>
+          </a:effectRef>
+          <a:fontRef idx="minor">
+            <a:schemeClr val="lt1"/>
+          </a:fontRef>
+        </p:style>
+        <p:txBody>
+          <a:bodyPr rtlCol="0" anchor="ctr"/>
+          <a:lstStyle/>
+          <a:p>
+            <a:pPr algn="ctr"/>
+            <a:r>
+              <a:rPr lang="en-US" altLang="zh-CN" dirty="0">
+                <a:solidFill>
+                  <a:schemeClr val="tx1"/>
+                </a:solidFill>
+              </a:rPr>
+              <a:t>F</a:t>
+            </a:r>
+            <a:endParaRPr lang="zh-CN" altLang="en-US" dirty="0">
+              <a:solidFill>
+                <a:schemeClr val="tx1"/>
+              </a:solidFill>
+            </a:endParaRPr>
+          </a:p>
+        </p:txBody>
+      </p:sp>
+      <p:sp>
+        <p:nvSpPr>
+          <p:cNvPr id="25" name="椭圆 24">
+            <a:extLst>
+              <a:ext uri="{FF2B5EF4-FFF2-40B4-BE49-F238E27FC236}">
+                <a16:creationId xmlns:a16="http://schemas.microsoft.com/office/drawing/2014/main" id="{73FAB8A2-98BB-46E0-85B3-3FD68835C788}"/>
+              </a:ext>
+            </a:extLst>
+          </p:cNvPr>
+          <p:cNvSpPr/>
+          <p:nvPr/>
+        </p:nvSpPr>
+        <p:spPr>
+          <a:xfrm>
+            <a:off x="6934939" y="2847241"/>
+            <a:ext cx="307731" cy="307731"/>
+          </a:xfrm>
+          <a:prstGeom prst="ellipse">
+            <a:avLst/>
+          </a:prstGeom>
+          <a:noFill/>
+          <a:ln w="12700">
+            <a:solidFill>
+              <a:schemeClr val="tx1"/>
+            </a:solidFill>
+          </a:ln>
+        </p:spPr>
+        <p:style>
+          <a:lnRef idx="2">
+            <a:schemeClr val="accent1">
+              <a:shade val="50000"/>
+            </a:schemeClr>
+          </a:lnRef>
+          <a:fillRef idx="1">
+            <a:schemeClr val="accent1"/>
+          </a:fillRef>
+          <a:effectRef idx="0">
+            <a:schemeClr val="accent1"/>
+          </a:effectRef>
+          <a:fontRef idx="minor">
+            <a:schemeClr val="lt1"/>
+          </a:fontRef>
+        </p:style>
+        <p:txBody>
+          <a:bodyPr rtlCol="0" anchor="ctr"/>
+          <a:lstStyle/>
+          <a:p>
+            <a:pPr algn="ctr"/>
+            <a:r>
+              <a:rPr lang="en-US" altLang="zh-CN" dirty="0">
+                <a:solidFill>
+                  <a:schemeClr val="tx1"/>
+                </a:solidFill>
+              </a:rPr>
+              <a:t>G</a:t>
+            </a:r>
+            <a:endParaRPr lang="zh-CN" altLang="en-US" dirty="0">
+              <a:solidFill>
+                <a:schemeClr val="tx1"/>
+              </a:solidFill>
+            </a:endParaRPr>
+          </a:p>
+        </p:txBody>
+      </p:sp>
+      <p:cxnSp>
+        <p:nvCxnSpPr>
+          <p:cNvPr id="26" name="直接连接符 25">
+            <a:extLst>
+              <a:ext uri="{FF2B5EF4-FFF2-40B4-BE49-F238E27FC236}">
+                <a16:creationId xmlns:a16="http://schemas.microsoft.com/office/drawing/2014/main" id="{73CF5604-8970-41E4-A01C-594A4393A3EB}"/>
+              </a:ext>
+            </a:extLst>
+          </p:cNvPr>
+          <p:cNvCxnSpPr>
+            <a:stCxn id="6" idx="5"/>
+            <a:endCxn id="21" idx="0"/>
+          </p:cNvCxnSpPr>
+          <p:nvPr/>
+        </p:nvCxnSpPr>
+        <p:spPr>
+          <a:xfrm>
+            <a:off x="5925152" y="1795457"/>
+            <a:ext cx="730141" cy="374837"/>
+          </a:xfrm>
+          <a:prstGeom prst="line">
+            <a:avLst/>
+          </a:prstGeom>
+          <a:ln w="12700">
+            <a:solidFill>
+              <a:schemeClr val="tx1"/>
+            </a:solidFill>
+          </a:ln>
+        </p:spPr>
+        <p:style>
+          <a:lnRef idx="1">
+            <a:schemeClr val="accent1"/>
+          </a:lnRef>
+          <a:fillRef idx="0">
+            <a:schemeClr val="accent1"/>
+          </a:fillRef>
+          <a:effectRef idx="0">
+            <a:schemeClr val="accent1"/>
+          </a:effectRef>
+          <a:fontRef idx="minor">
+            <a:schemeClr val="tx1"/>
+          </a:fontRef>
+        </p:style>
+      </p:cxnSp>
+      <p:cxnSp>
+        <p:nvCxnSpPr>
+          <p:cNvPr id="27" name="直接连接符 26">
+            <a:extLst>
+              <a:ext uri="{FF2B5EF4-FFF2-40B4-BE49-F238E27FC236}">
+                <a16:creationId xmlns:a16="http://schemas.microsoft.com/office/drawing/2014/main" id="{B6CA263A-8CDD-4FB1-AA24-D71DC7F06B1F}"/>
+              </a:ext>
+            </a:extLst>
+          </p:cNvPr>
+          <p:cNvCxnSpPr>
+            <a:cxnSpLocks/>
+            <a:stCxn id="20" idx="0"/>
+            <a:endCxn id="6" idx="3"/>
+          </p:cNvCxnSpPr>
+          <p:nvPr/>
+        </p:nvCxnSpPr>
+        <p:spPr>
+          <a:xfrm flipV="1">
+            <a:off x="5010143" y="1795457"/>
+            <a:ext cx="697410" cy="374836"/>
+          </a:xfrm>
+          <a:prstGeom prst="line">
+            <a:avLst/>
+          </a:prstGeom>
+          <a:ln w="12700">
+            <a:solidFill>
+              <a:schemeClr val="tx1"/>
+            </a:solidFill>
+          </a:ln>
+        </p:spPr>
+        <p:style>
+          <a:lnRef idx="1">
+            <a:schemeClr val="accent1"/>
+          </a:lnRef>
+          <a:fillRef idx="0">
+            <a:schemeClr val="accent1"/>
+          </a:fillRef>
+          <a:effectRef idx="0">
+            <a:schemeClr val="accent1"/>
+          </a:effectRef>
+          <a:fontRef idx="minor">
+            <a:schemeClr val="tx1"/>
+          </a:fontRef>
+        </p:style>
+      </p:cxnSp>
+      <p:cxnSp>
+        <p:nvCxnSpPr>
+          <p:cNvPr id="30" name="直接连接符 29">
+            <a:extLst>
+              <a:ext uri="{FF2B5EF4-FFF2-40B4-BE49-F238E27FC236}">
+                <a16:creationId xmlns:a16="http://schemas.microsoft.com/office/drawing/2014/main" id="{6B24A487-1BCC-4844-BC1F-F8B51DA34A95}"/>
+              </a:ext>
+            </a:extLst>
+          </p:cNvPr>
+          <p:cNvCxnSpPr>
+            <a:cxnSpLocks/>
+            <a:stCxn id="21" idx="5"/>
+            <a:endCxn id="25" idx="0"/>
+          </p:cNvCxnSpPr>
+          <p:nvPr/>
+        </p:nvCxnSpPr>
+        <p:spPr>
+          <a:xfrm>
+            <a:off x="6764092" y="2432959"/>
+            <a:ext cx="324713" cy="414282"/>
+          </a:xfrm>
+          <a:prstGeom prst="line">
+            <a:avLst/>
+          </a:prstGeom>
+          <a:ln w="12700">
+            <a:solidFill>
+              <a:schemeClr val="tx1"/>
+            </a:solidFill>
+          </a:ln>
+        </p:spPr>
+        <p:style>
+          <a:lnRef idx="1">
+            <a:schemeClr val="accent1"/>
+          </a:lnRef>
+          <a:fillRef idx="0">
+            <a:schemeClr val="accent1"/>
+          </a:fillRef>
+          <a:effectRef idx="0">
+            <a:schemeClr val="accent1"/>
+          </a:effectRef>
+          <a:fontRef idx="minor">
+            <a:schemeClr val="tx1"/>
+          </a:fontRef>
+        </p:style>
+      </p:cxnSp>
+      <p:cxnSp>
+        <p:nvCxnSpPr>
+          <p:cNvPr id="36" name="直接连接符 35">
+            <a:extLst>
+              <a:ext uri="{FF2B5EF4-FFF2-40B4-BE49-F238E27FC236}">
+                <a16:creationId xmlns:a16="http://schemas.microsoft.com/office/drawing/2014/main" id="{5F3F992A-C865-4470-BB40-17512BCC7F69}"/>
+              </a:ext>
+            </a:extLst>
+          </p:cNvPr>
+          <p:cNvCxnSpPr>
+            <a:cxnSpLocks/>
+            <a:stCxn id="24" idx="0"/>
+            <a:endCxn id="21" idx="3"/>
+          </p:cNvCxnSpPr>
+          <p:nvPr/>
+        </p:nvCxnSpPr>
+        <p:spPr>
+          <a:xfrm flipV="1">
+            <a:off x="6221781" y="2432959"/>
+            <a:ext cx="324712" cy="407121"/>
+          </a:xfrm>
+          <a:prstGeom prst="line">
+            <a:avLst/>
+          </a:prstGeom>
+          <a:ln w="12700">
+            <a:solidFill>
+              <a:schemeClr val="tx1"/>
+            </a:solidFill>
+          </a:ln>
+        </p:spPr>
+        <p:style>
+          <a:lnRef idx="1">
+            <a:schemeClr val="accent1"/>
+          </a:lnRef>
+          <a:fillRef idx="0">
+            <a:schemeClr val="accent1"/>
+          </a:fillRef>
+          <a:effectRef idx="0">
+            <a:schemeClr val="accent1"/>
+          </a:effectRef>
+          <a:fontRef idx="minor">
+            <a:schemeClr val="tx1"/>
+          </a:fontRef>
+        </p:style>
+      </p:cxnSp>
+      <p:cxnSp>
+        <p:nvCxnSpPr>
+          <p:cNvPr id="39" name="直接连接符 38">
+            <a:extLst>
+              <a:ext uri="{FF2B5EF4-FFF2-40B4-BE49-F238E27FC236}">
+                <a16:creationId xmlns:a16="http://schemas.microsoft.com/office/drawing/2014/main" id="{FE328003-2769-43FF-BC23-D60324D988B5}"/>
+              </a:ext>
+            </a:extLst>
+          </p:cNvPr>
+          <p:cNvCxnSpPr>
+            <a:cxnSpLocks/>
+            <a:stCxn id="20" idx="5"/>
+            <a:endCxn id="23" idx="0"/>
+          </p:cNvCxnSpPr>
+          <p:nvPr/>
+        </p:nvCxnSpPr>
+        <p:spPr>
+          <a:xfrm>
+            <a:off x="5118942" y="2432958"/>
+            <a:ext cx="291984" cy="414284"/>
+          </a:xfrm>
+          <a:prstGeom prst="line">
+            <a:avLst/>
+          </a:prstGeom>
+          <a:ln w="12700">
+            <a:solidFill>
+              <a:schemeClr val="tx1"/>
+            </a:solidFill>
+          </a:ln>
+        </p:spPr>
+        <p:style>
+          <a:lnRef idx="1">
+            <a:schemeClr val="accent1"/>
+          </a:lnRef>
+          <a:fillRef idx="0">
+            <a:schemeClr val="accent1"/>
+          </a:fillRef>
+          <a:effectRef idx="0">
+            <a:schemeClr val="accent1"/>
+          </a:effectRef>
+          <a:fontRef idx="minor">
+            <a:schemeClr val="tx1"/>
+          </a:fontRef>
+        </p:style>
+      </p:cxnSp>
+      <p:cxnSp>
+        <p:nvCxnSpPr>
+          <p:cNvPr id="42" name="直接连接符 41">
+            <a:extLst>
+              <a:ext uri="{FF2B5EF4-FFF2-40B4-BE49-F238E27FC236}">
+                <a16:creationId xmlns:a16="http://schemas.microsoft.com/office/drawing/2014/main" id="{C6D7AED6-BBEA-4FC7-AD72-2646F3E748E7}"/>
+              </a:ext>
+            </a:extLst>
+          </p:cNvPr>
+          <p:cNvCxnSpPr>
+            <a:cxnSpLocks/>
+            <a:stCxn id="20" idx="3"/>
+            <a:endCxn id="22" idx="0"/>
+          </p:cNvCxnSpPr>
+          <p:nvPr/>
+        </p:nvCxnSpPr>
+        <p:spPr>
+          <a:xfrm flipH="1">
+            <a:off x="4543902" y="2432958"/>
+            <a:ext cx="357441" cy="414284"/>
+          </a:xfrm>
+          <a:prstGeom prst="line">
+            <a:avLst/>
+          </a:prstGeom>
+          <a:ln w="12700">
+            <a:solidFill>
+              <a:schemeClr val="tx1"/>
+            </a:solidFill>
+          </a:ln>
+        </p:spPr>
+        <p:style>
+          <a:lnRef idx="1">
+            <a:schemeClr val="accent1"/>
+          </a:lnRef>
+          <a:fillRef idx="0">
+            <a:schemeClr val="accent1"/>
+          </a:fillRef>
+          <a:effectRef idx="0">
+            <a:schemeClr val="accent1"/>
+          </a:effectRef>
+          <a:fontRef idx="minor">
+            <a:schemeClr val="tx1"/>
+          </a:fontRef>
+        </p:style>
+      </p:cxnSp>
+    </p:spTree>
+    <p:custDataLst>
+      <p:tags r:id="rId1"/>
+    </p:custDataLst>
+    <p:extLst>
+      <p:ext uri="{BB962C8B-B14F-4D97-AF65-F5344CB8AC3E}">
+        <p14:creationId xmlns:p14="http://schemas.microsoft.com/office/powerpoint/2010/main" val="173156622"/>
+      </p:ext>
+    </p:extLst>
+  </p:cSld>
+  <p:clrMapOvr>
+    <a:masterClrMapping/>
+  </p:clrMapOvr>
+  <mc:AlternateContent xmlns:mc="http://schemas.openxmlformats.org/markup-compatibility/2006" xmlns:p14="http://schemas.microsoft.com/office/powerpoint/2010/main">
+    <mc:Choice Requires="p14">
+      <p:transition spd="slow" p14:dur="2000" advTm="2265"/>
+    </mc:Choice>
+    <mc:Fallback xmlns="">
+      <p:transition spd="slow" advTm="2265"/>
+    </mc:Fallback>
+  </mc:AlternateContent>
+  <p:timing>
+    <p:tnLst>
+      <p:par>
+        <p:cTn id="1" dur="indefinite" restart="never" nodeType="tmRoot">
+          <p:childTnLst>
+            <p:seq concurrent="1" nextAc="seek">
+              <p:cTn id="2" dur="indefinite" nodeType="mainSeq">
+                <p:childTnLst>
+                  <p:par>
+                    <p:cTn id="3" fill="hold">
+                      <p:stCondLst>
+                        <p:cond delay="indefinite"/>
+                      </p:stCondLst>
+                      <p:childTnLst>
+                        <p:par>
+                          <p:cTn id="4" fill="hold">
+                            <p:stCondLst>
+                              <p:cond delay="0"/>
+                            </p:stCondLst>
+                            <p:childTnLst>
+                              <p:par>
+                                <p:cTn id="5" presetID="1" presetClass="emph" presetSubtype="2" fill="hold" nodeType="clickEffect">
+                                  <p:stCondLst>
+                                    <p:cond delay="0"/>
+                                  </p:stCondLst>
+                                  <p:childTnLst>
+                                    <p:animClr clrSpc="rgb" dir="cw">
+                                      <p:cBhvr>
+                                        <p:cTn id="6" dur="2000" fill="hold"/>
+                                        <p:tgtEl>
+                                          <p:spTgt spid="6"/>
+                                        </p:tgtEl>
+                                        <p:attrNameLst>
+                                          <p:attrName>fillcolor</p:attrName>
+                                        </p:attrNameLst>
+                                      </p:cBhvr>
+                                      <p:to>
+                                        <a:srgbClr val="C5E0B3"/>
+                                      </p:to>
+                                    </p:animClr>
+                                    <p:set>
+                                      <p:cBhvr>
+                                        <p:cTn id="7" dur="2000" fill="hold"/>
+                                        <p:tgtEl>
+                                          <p:spTgt spid="6"/>
+                                        </p:tgtEl>
+                                        <p:attrNameLst>
+                                          <p:attrName>fill.type</p:attrName>
+                                        </p:attrNameLst>
+                                      </p:cBhvr>
+                                      <p:to>
+                                        <p:strVal val="solid"/>
+                                      </p:to>
+                                    </p:set>
+                                    <p:set>
+                                      <p:cBhvr>
+                                        <p:cTn id="8" dur="2000" fill="hold"/>
+                                        <p:tgtEl>
+                                          <p:spTgt spid="6"/>
+                                        </p:tgtEl>
+                                        <p:attrNameLst>
+                                          <p:attrName>fill.on</p:attrName>
+                                        </p:attrNameLst>
+                                      </p:cBhvr>
+                                      <p:to>
+                                        <p:strVal val="true"/>
+                                      </p:to>
+                                    </p:set>
+                                  </p:childTnLst>
+                                </p:cTn>
+                              </p:par>
+                            </p:childTnLst>
+                          </p:cTn>
+                        </p:par>
+                      </p:childTnLst>
+                    </p:cTn>
+                  </p:par>
+                  <p:par>
+                    <p:cTn id="9" fill="hold">
+                      <p:stCondLst>
+                        <p:cond delay="indefinite"/>
+                      </p:stCondLst>
+                      <p:childTnLst>
+                        <p:par>
+                          <p:cTn id="10" fill="hold">
+                            <p:stCondLst>
+                              <p:cond delay="0"/>
+                            </p:stCondLst>
+                            <p:childTnLst>
+                              <p:par>
+                                <p:cTn id="11" presetID="1" presetClass="emph" presetSubtype="2" fill="hold" nodeType="clickEffect">
+                                  <p:stCondLst>
+                                    <p:cond delay="0"/>
+                                  </p:stCondLst>
+                                  <p:childTnLst>
+                                    <p:animClr clrSpc="rgb" dir="cw">
+                                      <p:cBhvr>
+                                        <p:cTn id="12" dur="2000" fill="hold"/>
+                                        <p:tgtEl>
+                                          <p:spTgt spid="20"/>
+                                        </p:tgtEl>
+                                        <p:attrNameLst>
+                                          <p:attrName>fillcolor</p:attrName>
+                                        </p:attrNameLst>
+                                      </p:cBhvr>
+                                      <p:to>
+                                        <a:srgbClr val="C5E0B3"/>
+                                      </p:to>
+                                    </p:animClr>
+                                    <p:set>
+                                      <p:cBhvr>
+                                        <p:cTn id="13" dur="2000" fill="hold"/>
+                                        <p:tgtEl>
+                                          <p:spTgt spid="20"/>
+                                        </p:tgtEl>
+                                        <p:attrNameLst>
+                                          <p:attrName>fill.type</p:attrName>
+                                        </p:attrNameLst>
+                                      </p:cBhvr>
+                                      <p:to>
+                                        <p:strVal val="solid"/>
+                                      </p:to>
+                                    </p:set>
+                                    <p:set>
+                                      <p:cBhvr>
+                                        <p:cTn id="14" dur="2000" fill="hold"/>
+                                        <p:tgtEl>
+                                          <p:spTgt spid="20"/>
+                                        </p:tgtEl>
+                                        <p:attrNameLst>
+                                          <p:attrName>fill.on</p:attrName>
+                                        </p:attrNameLst>
+                                      </p:cBhvr>
+                                      <p:to>
+                                        <p:strVal val="true"/>
+                                      </p:to>
+                                    </p:set>
+                                  </p:childTnLst>
+                                </p:cTn>
+                              </p:par>
+                            </p:childTnLst>
+                          </p:cTn>
+                        </p:par>
+                      </p:childTnLst>
+                    </p:cTn>
+                  </p:par>
+                  <p:par>
+                    <p:cTn id="15" fill="hold">
+                      <p:stCondLst>
+                        <p:cond delay="indefinite"/>
+                      </p:stCondLst>
+                      <p:childTnLst>
+                        <p:par>
+                          <p:cTn id="16" fill="hold">
+                            <p:stCondLst>
+                              <p:cond delay="0"/>
+                            </p:stCondLst>
+                            <p:childTnLst>
+                              <p:par>
+                                <p:cTn id="17" presetID="1" presetClass="emph" presetSubtype="2" fill="hold" nodeType="clickEffect">
+                                  <p:stCondLst>
+                                    <p:cond delay="0"/>
+                                  </p:stCondLst>
+                                  <p:childTnLst>
+                                    <p:animClr clrSpc="rgb" dir="cw">
+                                      <p:cBhvr>
+                                        <p:cTn id="18" dur="2000" fill="hold"/>
+                                        <p:tgtEl>
+                                          <p:spTgt spid="21"/>
+                                        </p:tgtEl>
+                                        <p:attrNameLst>
+                                          <p:attrName>fillcolor</p:attrName>
+                                        </p:attrNameLst>
+                                      </p:cBhvr>
+                                      <p:to>
+                                        <a:srgbClr val="C5E0B3"/>
+                                      </p:to>
+                                    </p:animClr>
+                                    <p:set>
+                                      <p:cBhvr>
+                                        <p:cTn id="19" dur="2000" fill="hold"/>
+                                        <p:tgtEl>
+                                          <p:spTgt spid="21"/>
+                                        </p:tgtEl>
+                                        <p:attrNameLst>
+                                          <p:attrName>fill.type</p:attrName>
+                                        </p:attrNameLst>
+                                      </p:cBhvr>
+                                      <p:to>
+                                        <p:strVal val="solid"/>
+                                      </p:to>
+                                    </p:set>
+                                    <p:set>
+                                      <p:cBhvr>
+                                        <p:cTn id="20" dur="2000" fill="hold"/>
+                                        <p:tgtEl>
+                                          <p:spTgt spid="21"/>
+                                        </p:tgtEl>
+                                        <p:attrNameLst>
+                                          <p:attrName>fill.on</p:attrName>
+                                        </p:attrNameLst>
+                                      </p:cBhvr>
+                                      <p:to>
+                                        <p:strVal val="true"/>
+                                      </p:to>
+                                    </p:set>
+                                  </p:childTnLst>
+                                </p:cTn>
+                              </p:par>
+                            </p:childTnLst>
+                          </p:cTn>
+                        </p:par>
+                      </p:childTnLst>
+                    </p:cTn>
+                  </p:par>
+                  <p:par>
+                    <p:cTn id="21" fill="hold">
+                      <p:stCondLst>
+                        <p:cond delay="indefinite"/>
+                      </p:stCondLst>
+                      <p:childTnLst>
+                        <p:par>
+                          <p:cTn id="22" fill="hold">
+                            <p:stCondLst>
+                              <p:cond delay="0"/>
+                            </p:stCondLst>
+                            <p:childTnLst>
+                              <p:par>
+                                <p:cTn id="23" presetID="1" presetClass="emph" presetSubtype="2" fill="hold" nodeType="clickEffect">
+                                  <p:stCondLst>
+                                    <p:cond delay="0"/>
+                                  </p:stCondLst>
+                                  <p:childTnLst>
+                                    <p:animClr clrSpc="rgb" dir="cw">
+                                      <p:cBhvr>
+                                        <p:cTn id="24" dur="2000" fill="hold"/>
+                                        <p:tgtEl>
+                                          <p:spTgt spid="22"/>
+                                        </p:tgtEl>
+                                        <p:attrNameLst>
+                                          <p:attrName>fillcolor</p:attrName>
+                                        </p:attrNameLst>
+                                      </p:cBhvr>
+                                      <p:to>
+                                        <a:srgbClr val="C5E0B3"/>
+                                      </p:to>
+                                    </p:animClr>
+                                    <p:set>
+                                      <p:cBhvr>
+                                        <p:cTn id="25" dur="2000" fill="hold"/>
+                                        <p:tgtEl>
+                                          <p:spTgt spid="22"/>
+                                        </p:tgtEl>
+                                        <p:attrNameLst>
+                                          <p:attrName>fill.type</p:attrName>
+                                        </p:attrNameLst>
+                                      </p:cBhvr>
+                                      <p:to>
+                                        <p:strVal val="solid"/>
+                                      </p:to>
+                                    </p:set>
+                                    <p:set>
+                                      <p:cBhvr>
+                                        <p:cTn id="26" dur="2000" fill="hold"/>
+                                        <p:tgtEl>
+                                          <p:spTgt spid="22"/>
+                                        </p:tgtEl>
+                                        <p:attrNameLst>
+                                          <p:attrName>fill.on</p:attrName>
+                                        </p:attrNameLst>
+                                      </p:cBhvr>
+                                      <p:to>
+                                        <p:strVal val="true"/>
+                                      </p:to>
+                                    </p:set>
+                                  </p:childTnLst>
+                                </p:cTn>
+                              </p:par>
+                            </p:childTnLst>
+                          </p:cTn>
+                        </p:par>
+                      </p:childTnLst>
+                    </p:cTn>
+                  </p:par>
+                  <p:par>
+                    <p:cTn id="27" fill="hold">
+                      <p:stCondLst>
+                        <p:cond delay="indefinite"/>
+                      </p:stCondLst>
+                      <p:childTnLst>
+                        <p:par>
+                          <p:cTn id="28" fill="hold">
+                            <p:stCondLst>
+                              <p:cond delay="0"/>
+                            </p:stCondLst>
+                            <p:childTnLst>
+                              <p:par>
+                                <p:cTn id="29" presetID="1" presetClass="emph" presetSubtype="2" fill="hold" nodeType="clickEffect">
+                                  <p:stCondLst>
+                                    <p:cond delay="0"/>
+                                  </p:stCondLst>
+                                  <p:childTnLst>
+                                    <p:animClr clrSpc="rgb" dir="cw">
+                                      <p:cBhvr>
+                                        <p:cTn id="30" dur="2000" fill="hold"/>
+                                        <p:tgtEl>
+                                          <p:spTgt spid="23"/>
+                                        </p:tgtEl>
+                                        <p:attrNameLst>
+                                          <p:attrName>fillcolor</p:attrName>
+                                        </p:attrNameLst>
+                                      </p:cBhvr>
+                                      <p:to>
+                                        <a:srgbClr val="C5E0B3"/>
+                                      </p:to>
+                                    </p:animClr>
+                                    <p:set>
+                                      <p:cBhvr>
+                                        <p:cTn id="31" dur="2000" fill="hold"/>
+                                        <p:tgtEl>
+                                          <p:spTgt spid="23"/>
+                                        </p:tgtEl>
+                                        <p:attrNameLst>
+                                          <p:attrName>fill.type</p:attrName>
+                                        </p:attrNameLst>
+                                      </p:cBhvr>
+                                      <p:to>
+                                        <p:strVal val="solid"/>
+                                      </p:to>
+                                    </p:set>
+                                    <p:set>
+                                      <p:cBhvr>
+                                        <p:cTn id="32" dur="2000" fill="hold"/>
+                                        <p:tgtEl>
+                                          <p:spTgt spid="23"/>
+                                        </p:tgtEl>
+                                        <p:attrNameLst>
+                                          <p:attrName>fill.on</p:attrName>
+                                        </p:attrNameLst>
+                                      </p:cBhvr>
+                                      <p:to>
+                                        <p:strVal val="true"/>
+                                      </p:to>
+                                    </p:set>
+                                  </p:childTnLst>
+                                </p:cTn>
+                              </p:par>
+                            </p:childTnLst>
+                          </p:cTn>
+                        </p:par>
+                      </p:childTnLst>
+                    </p:cTn>
+                  </p:par>
+                  <p:par>
+                    <p:cTn id="33" fill="hold">
+                      <p:stCondLst>
+                        <p:cond delay="indefinite"/>
+                      </p:stCondLst>
+                      <p:childTnLst>
+                        <p:par>
+                          <p:cTn id="34" fill="hold">
+                            <p:stCondLst>
+                              <p:cond delay="0"/>
+                            </p:stCondLst>
+                            <p:childTnLst>
+                              <p:par>
+                                <p:cTn id="35" presetID="1" presetClass="emph" presetSubtype="2" fill="hold" nodeType="clickEffect">
+                                  <p:stCondLst>
+                                    <p:cond delay="0"/>
+                                  </p:stCondLst>
+                                  <p:childTnLst>
+                                    <p:animClr clrSpc="rgb" dir="cw">
+                                      <p:cBhvr>
+                                        <p:cTn id="36" dur="2000" fill="hold"/>
+                                        <p:tgtEl>
+                                          <p:spTgt spid="24"/>
+                                        </p:tgtEl>
+                                        <p:attrNameLst>
+                                          <p:attrName>fillcolor</p:attrName>
+                                        </p:attrNameLst>
+                                      </p:cBhvr>
+                                      <p:to>
+                                        <a:srgbClr val="C5E0B3"/>
+                                      </p:to>
+                                    </p:animClr>
+                                    <p:set>
+                                      <p:cBhvr>
+                                        <p:cTn id="37" dur="2000" fill="hold"/>
+                                        <p:tgtEl>
+                                          <p:spTgt spid="24"/>
+                                        </p:tgtEl>
+                                        <p:attrNameLst>
+                                          <p:attrName>fill.type</p:attrName>
+                                        </p:attrNameLst>
+                                      </p:cBhvr>
+                                      <p:to>
+                                        <p:strVal val="solid"/>
+                                      </p:to>
+                                    </p:set>
+                                    <p:set>
+                                      <p:cBhvr>
+                                        <p:cTn id="38" dur="2000" fill="hold"/>
+                                        <p:tgtEl>
+                                          <p:spTgt spid="24"/>
+                                        </p:tgtEl>
+                                        <p:attrNameLst>
+                                          <p:attrName>fill.on</p:attrName>
+                                        </p:attrNameLst>
+                                      </p:cBhvr>
+                                      <p:to>
+                                        <p:strVal val="true"/>
+                                      </p:to>
+                                    </p:set>
+                                  </p:childTnLst>
+                                </p:cTn>
+                              </p:par>
+                            </p:childTnLst>
+                          </p:cTn>
+                        </p:par>
+                      </p:childTnLst>
+                    </p:cTn>
+                  </p:par>
+                  <p:par>
+                    <p:cTn id="39" fill="hold">
+                      <p:stCondLst>
+                        <p:cond delay="indefinite"/>
+                      </p:stCondLst>
+                      <p:childTnLst>
+                        <p:par>
+                          <p:cTn id="40" fill="hold">
+                            <p:stCondLst>
+                              <p:cond delay="0"/>
+                            </p:stCondLst>
+                            <p:childTnLst>
+                              <p:par>
+                                <p:cTn id="41" presetID="1" presetClass="emph" presetSubtype="2" fill="hold" nodeType="clickEffect">
+                                  <p:stCondLst>
+                                    <p:cond delay="0"/>
+                                  </p:stCondLst>
+                                  <p:childTnLst>
+                                    <p:animClr clrSpc="rgb" dir="cw">
+                                      <p:cBhvr>
+                                        <p:cTn id="42" dur="2000" fill="hold"/>
+                                        <p:tgtEl>
+                                          <p:spTgt spid="25"/>
+                                        </p:tgtEl>
+                                        <p:attrNameLst>
+                                          <p:attrName>fillcolor</p:attrName>
+                                        </p:attrNameLst>
+                                      </p:cBhvr>
+                                      <p:to>
+                                        <a:srgbClr val="C5E0B3"/>
+                                      </p:to>
+                                    </p:animClr>
+                                    <p:set>
+                                      <p:cBhvr>
+                                        <p:cTn id="43" dur="2000" fill="hold"/>
+                                        <p:tgtEl>
+                                          <p:spTgt spid="25"/>
+                                        </p:tgtEl>
+                                        <p:attrNameLst>
+                                          <p:attrName>fill.type</p:attrName>
+                                        </p:attrNameLst>
+                                      </p:cBhvr>
+                                      <p:to>
+                                        <p:strVal val="solid"/>
+                                      </p:to>
+                                    </p:set>
+                                    <p:set>
+                                      <p:cBhvr>
+                                        <p:cTn id="44" dur="2000" fill="hold"/>
+                                        <p:tgtEl>
+                                          <p:spTgt spid="25"/>
+                                        </p:tgtEl>
+                                        <p:attrNameLst>
+                                          <p:attrName>fill.on</p:attrName>
+                                        </p:attrNameLst>
+                                      </p:cBhvr>
+                                      <p:to>
+                                        <p:strVal val="true"/>
+                                      </p:to>
+                                    </p:set>
+                                  </p:childTnLst>
+                                </p:cTn>
+                              </p:par>
+                            </p:childTnLst>
+                          </p:cTn>
+                        </p:par>
+                      </p:childTnLst>
+                    </p:cTn>
+                  </p:par>
+                  <p:par>
+                    <p:cTn id="45" fill="hold">
+                      <p:stCondLst>
+                        <p:cond delay="indefinite"/>
+                      </p:stCondLst>
+                      <p:childTnLst>
+                        <p:par>
+                          <p:cTn id="46" fill="hold">
+                            <p:stCondLst>
+                              <p:cond delay="0"/>
+                            </p:stCondLst>
+                            <p:childTnLst>
+                              <p:par>
+                                <p:cTn id="47" presetID="2" presetClass="entr" presetSubtype="4" fill="hold" grpId="0" nodeType="clickEffect">
+                                  <p:stCondLst>
+                                    <p:cond delay="0"/>
+                                  </p:stCondLst>
+                                  <p:childTnLst>
+                                    <p:set>
+                                      <p:cBhvr>
+                                        <p:cTn id="48" dur="1" fill="hold">
+                                          <p:stCondLst>
+                                            <p:cond delay="0"/>
+                                          </p:stCondLst>
+                                        </p:cTn>
+                                        <p:tgtEl>
+                                          <p:spTgt spid="14"/>
+                                        </p:tgtEl>
+                                        <p:attrNameLst>
+                                          <p:attrName>style.visibility</p:attrName>
+                                        </p:attrNameLst>
+                                      </p:cBhvr>
+                                      <p:to>
+                                        <p:strVal val="visible"/>
+                                      </p:to>
+                                    </p:set>
+                                    <p:anim calcmode="lin" valueType="num">
+                                      <p:cBhvr additive="base">
+                                        <p:cTn id="49" dur="500" fill="hold"/>
+                                        <p:tgtEl>
+                                          <p:spTgt spid="14"/>
+                                        </p:tgtEl>
+                                        <p:attrNameLst>
+                                          <p:attrName>ppt_x</p:attrName>
+                                        </p:attrNameLst>
+                                      </p:cBhvr>
+                                      <p:tavLst>
+                                        <p:tav tm="0">
+                                          <p:val>
+                                            <p:strVal val="#ppt_x"/>
+                                          </p:val>
+                                        </p:tav>
+                                        <p:tav tm="100000">
+                                          <p:val>
+                                            <p:strVal val="#ppt_x"/>
+                                          </p:val>
+                                        </p:tav>
+                                      </p:tavLst>
+                                    </p:anim>
+                                    <p:anim calcmode="lin" valueType="num">
+                                      <p:cBhvr additive="base">
+                                        <p:cTn id="50" dur="500" fill="hold"/>
+                                        <p:tgtEl>
+                                          <p:spTgt spid="14"/>
+                                        </p:tgtEl>
+                                        <p:attrNameLst>
+                                          <p:attrName>ppt_y</p:attrName>
+                                        </p:attrNameLst>
+                                      </p:cBhvr>
+                                      <p:tavLst>
+                                        <p:tav tm="0">
+                                          <p:val>
+                                            <p:strVal val="1+#ppt_h/2"/>
+                                          </p:val>
+                                        </p:tav>
+                                        <p:tav tm="100000">
+                                          <p:val>
+                                            <p:strVal val="#ppt_y"/>
+                                          </p:val>
+                                        </p:tav>
+                                      </p:tavLst>
+                                    </p:anim>
+                                  </p:childTnLst>
+                                </p:cTn>
+                              </p:par>
+                              <p:par>
+                                <p:cTn id="51" presetID="2" presetClass="entr" presetSubtype="4" fill="hold" grpId="0" nodeType="withEffect">
+                                  <p:stCondLst>
+                                    <p:cond delay="0"/>
+                                  </p:stCondLst>
+                                  <p:childTnLst>
+                                    <p:set>
+                                      <p:cBhvr>
+                                        <p:cTn id="52" dur="1" fill="hold">
+                                          <p:stCondLst>
+                                            <p:cond delay="0"/>
+                                          </p:stCondLst>
+                                        </p:cTn>
+                                        <p:tgtEl>
+                                          <p:spTgt spid="15"/>
+                                        </p:tgtEl>
+                                        <p:attrNameLst>
+                                          <p:attrName>style.visibility</p:attrName>
+                                        </p:attrNameLst>
+                                      </p:cBhvr>
+                                      <p:to>
+                                        <p:strVal val="visible"/>
+                                      </p:to>
+                                    </p:set>
+                                    <p:anim calcmode="lin" valueType="num">
+                                      <p:cBhvr additive="base">
+                                        <p:cTn id="53" dur="500" fill="hold"/>
+                                        <p:tgtEl>
+                                          <p:spTgt spid="15"/>
+                                        </p:tgtEl>
+                                        <p:attrNameLst>
+                                          <p:attrName>ppt_x</p:attrName>
+                                        </p:attrNameLst>
+                                      </p:cBhvr>
+                                      <p:tavLst>
+                                        <p:tav tm="0">
+                                          <p:val>
+                                            <p:strVal val="#ppt_x"/>
+                                          </p:val>
+                                        </p:tav>
+                                        <p:tav tm="100000">
+                                          <p:val>
+                                            <p:strVal val="#ppt_x"/>
+                                          </p:val>
+                                        </p:tav>
+                                      </p:tavLst>
+                                    </p:anim>
+                                    <p:anim calcmode="lin" valueType="num">
+                                      <p:cBhvr additive="base">
+                                        <p:cTn id="54" dur="500" fill="hold"/>
+                                        <p:tgtEl>
+                                          <p:spTgt spid="15"/>
+                                        </p:tgtEl>
+                                        <p:attrNameLst>
+                                          <p:attrName>ppt_y</p:attrName>
+                                        </p:attrNameLst>
+                                      </p:cBhvr>
+                                      <p:tavLst>
+                                        <p:tav tm="0">
+                                          <p:val>
+                                            <p:strVal val="1+#ppt_h/2"/>
+                                          </p:val>
+                                        </p:tav>
+                                        <p:tav tm="100000">
+                                          <p:val>
+                                            <p:strVal val="#ppt_y"/>
+                                          </p:val>
+                                        </p:tav>
+                                      </p:tavLst>
+                                    </p:anim>
+                                  </p:childTnLst>
+                                </p:cTn>
+                              </p:par>
+                              <p:par>
+                                <p:cTn id="55" presetID="2" presetClass="entr" presetSubtype="4" fill="hold" grpId="0" nodeType="withEffect">
+                                  <p:stCondLst>
+                                    <p:cond delay="0"/>
+                                  </p:stCondLst>
+                                  <p:childTnLst>
+                                    <p:set>
+                                      <p:cBhvr>
+                                        <p:cTn id="56" dur="1" fill="hold">
+                                          <p:stCondLst>
+                                            <p:cond delay="0"/>
+                                          </p:stCondLst>
+                                        </p:cTn>
+                                        <p:tgtEl>
+                                          <p:spTgt spid="16"/>
+                                        </p:tgtEl>
+                                        <p:attrNameLst>
+                                          <p:attrName>style.visibility</p:attrName>
+                                        </p:attrNameLst>
+                                      </p:cBhvr>
+                                      <p:to>
+                                        <p:strVal val="visible"/>
+                                      </p:to>
+                                    </p:set>
+                                    <p:anim calcmode="lin" valueType="num">
+                                      <p:cBhvr additive="base">
+                                        <p:cTn id="57" dur="500" fill="hold"/>
+                                        <p:tgtEl>
+                                          <p:spTgt spid="16"/>
+                                        </p:tgtEl>
+                                        <p:attrNameLst>
+                                          <p:attrName>ppt_x</p:attrName>
+                                        </p:attrNameLst>
+                                      </p:cBhvr>
+                                      <p:tavLst>
+                                        <p:tav tm="0">
+                                          <p:val>
+                                            <p:strVal val="#ppt_x"/>
+                                          </p:val>
+                                        </p:tav>
+                                        <p:tav tm="100000">
+                                          <p:val>
+                                            <p:strVal val="#ppt_x"/>
+                                          </p:val>
+                                        </p:tav>
+                                      </p:tavLst>
+                                    </p:anim>
+                                    <p:anim calcmode="lin" valueType="num">
+                                      <p:cBhvr additive="base">
+                                        <p:cTn id="58" dur="500" fill="hold"/>
+                                        <p:tgtEl>
+                                          <p:spTgt spid="16"/>
+                                        </p:tgtEl>
+                                        <p:attrNameLst>
+                                          <p:attrName>ppt_y</p:attrName>
+                                        </p:attrNameLst>
+                                      </p:cBhvr>
+                                      <p:tavLst>
+                                        <p:tav tm="0">
+                                          <p:val>
+                                            <p:strVal val="1+#ppt_h/2"/>
+                                          </p:val>
+                                        </p:tav>
+                                        <p:tav tm="100000">
+                                          <p:val>
+                                            <p:strVal val="#ppt_y"/>
+                                          </p:val>
+                                        </p:tav>
+                                      </p:tavLst>
+                                    </p:anim>
+                                  </p:childTnLst>
+                                </p:cTn>
+                              </p:par>
+                              <p:par>
+                                <p:cTn id="59" presetID="2" presetClass="entr" presetSubtype="4" fill="hold" grpId="0" nodeType="withEffect">
+                                  <p:stCondLst>
+                                    <p:cond delay="0"/>
+                                  </p:stCondLst>
+                                  <p:childTnLst>
+                                    <p:set>
+                                      <p:cBhvr>
+                                        <p:cTn id="60" dur="1" fill="hold">
+                                          <p:stCondLst>
+                                            <p:cond delay="0"/>
+                                          </p:stCondLst>
+                                        </p:cTn>
+                                        <p:tgtEl>
+                                          <p:spTgt spid="9"/>
+                                        </p:tgtEl>
+                                        <p:attrNameLst>
+                                          <p:attrName>style.visibility</p:attrName>
+                                        </p:attrNameLst>
+                                      </p:cBhvr>
+                                      <p:to>
+                                        <p:strVal val="visible"/>
+                                      </p:to>
+                                    </p:set>
+                                    <p:anim calcmode="lin" valueType="num">
+                                      <p:cBhvr additive="base">
+                                        <p:cTn id="61" dur="500" fill="hold"/>
+                                        <p:tgtEl>
+                                          <p:spTgt spid="9"/>
+                                        </p:tgtEl>
+                                        <p:attrNameLst>
+                                          <p:attrName>ppt_x</p:attrName>
+                                        </p:attrNameLst>
+                                      </p:cBhvr>
+                                      <p:tavLst>
+                                        <p:tav tm="0">
+                                          <p:val>
+                                            <p:strVal val="#ppt_x"/>
+                                          </p:val>
+                                        </p:tav>
+                                        <p:tav tm="100000">
+                                          <p:val>
+                                            <p:strVal val="#ppt_x"/>
+                                          </p:val>
+                                        </p:tav>
+                                      </p:tavLst>
+                                    </p:anim>
+                                    <p:anim calcmode="lin" valueType="num">
+                                      <p:cBhvr additive="base">
+                                        <p:cTn id="62" dur="500" fill="hold"/>
+                                        <p:tgtEl>
+                                          <p:spTgt spid="9"/>
+                                        </p:tgtEl>
+                                        <p:attrNameLst>
+                                          <p:attrName>ppt_y</p:attrName>
+                                        </p:attrNameLst>
+                                      </p:cBhvr>
+                                      <p:tavLst>
+                                        <p:tav tm="0">
+                                          <p:val>
+                                            <p:strVal val="1+#ppt_h/2"/>
+                                          </p:val>
+                                        </p:tav>
+                                        <p:tav tm="100000">
+                                          <p:val>
+                                            <p:strVal val="#ppt_y"/>
+                                          </p:val>
+                                        </p:tav>
+                                      </p:tavLst>
+                                    </p:anim>
+                                  </p:childTnLst>
+                                </p:cTn>
+                              </p:par>
+                              <p:par>
+                                <p:cTn id="63" presetID="2" presetClass="entr" presetSubtype="4" fill="hold" grpId="0" nodeType="withEffect">
+                                  <p:stCondLst>
+                                    <p:cond delay="0"/>
+                                  </p:stCondLst>
+                                  <p:childTnLst>
+                                    <p:set>
+                                      <p:cBhvr>
+                                        <p:cTn id="64" dur="1" fill="hold">
+                                          <p:stCondLst>
+                                            <p:cond delay="0"/>
+                                          </p:stCondLst>
+                                        </p:cTn>
+                                        <p:tgtEl>
+                                          <p:spTgt spid="10"/>
+                                        </p:tgtEl>
+                                        <p:attrNameLst>
+                                          <p:attrName>style.visibility</p:attrName>
+                                        </p:attrNameLst>
+                                      </p:cBhvr>
+                                      <p:to>
+                                        <p:strVal val="visible"/>
+                                      </p:to>
+                                    </p:set>
+                                    <p:anim calcmode="lin" valueType="num">
+                                      <p:cBhvr additive="base">
+                                        <p:cTn id="65" dur="500" fill="hold"/>
+                                        <p:tgtEl>
+                                          <p:spTgt spid="10"/>
+                                        </p:tgtEl>
+                                        <p:attrNameLst>
+                                          <p:attrName>ppt_x</p:attrName>
+                                        </p:attrNameLst>
+                                      </p:cBhvr>
+                                      <p:tavLst>
+                                        <p:tav tm="0">
+                                          <p:val>
+                                            <p:strVal val="#ppt_x"/>
+                                          </p:val>
+                                        </p:tav>
+                                        <p:tav tm="100000">
+                                          <p:val>
+                                            <p:strVal val="#ppt_x"/>
+                                          </p:val>
+                                        </p:tav>
+                                      </p:tavLst>
+                                    </p:anim>
+                                    <p:anim calcmode="lin" valueType="num">
+                                      <p:cBhvr additive="base">
+                                        <p:cTn id="66" dur="500" fill="hold"/>
+                                        <p:tgtEl>
+                                          <p:spTgt spid="10"/>
+                                        </p:tgtEl>
+                                        <p:attrNameLst>
+                                          <p:attrName>ppt_y</p:attrName>
+                                        </p:attrNameLst>
+                                      </p:cBhvr>
+                                      <p:tavLst>
+                                        <p:tav tm="0">
+                                          <p:val>
+                                            <p:strVal val="1+#ppt_h/2"/>
+                                          </p:val>
+                                        </p:tav>
+                                        <p:tav tm="100000">
+                                          <p:val>
+                                            <p:strVal val="#ppt_y"/>
+                                          </p:val>
+                                        </p:tav>
+                                      </p:tavLst>
+                                    </p:anim>
+                                  </p:childTnLst>
+                                </p:cTn>
+                              </p:par>
+                              <p:par>
+                                <p:cTn id="67" presetID="2" presetClass="entr" presetSubtype="4" fill="hold" grpId="0" nodeType="withEffect">
+                                  <p:stCondLst>
+                                    <p:cond delay="0"/>
+                                  </p:stCondLst>
+                                  <p:childTnLst>
+                                    <p:set>
+                                      <p:cBhvr>
+                                        <p:cTn id="68" dur="1" fill="hold">
+                                          <p:stCondLst>
+                                            <p:cond delay="0"/>
+                                          </p:stCondLst>
+                                        </p:cTn>
+                                        <p:tgtEl>
+                                          <p:spTgt spid="11"/>
+                                        </p:tgtEl>
+                                        <p:attrNameLst>
+                                          <p:attrName>style.visibility</p:attrName>
+                                        </p:attrNameLst>
+                                      </p:cBhvr>
+                                      <p:to>
+                                        <p:strVal val="visible"/>
+                                      </p:to>
+                                    </p:set>
+                                    <p:anim calcmode="lin" valueType="num">
+                                      <p:cBhvr additive="base">
+                                        <p:cTn id="69" dur="500" fill="hold"/>
+                                        <p:tgtEl>
+                                          <p:spTgt spid="11"/>
+                                        </p:tgtEl>
+                                        <p:attrNameLst>
+                                          <p:attrName>ppt_x</p:attrName>
+                                        </p:attrNameLst>
+                                      </p:cBhvr>
+                                      <p:tavLst>
+                                        <p:tav tm="0">
+                                          <p:val>
+                                            <p:strVal val="#ppt_x"/>
+                                          </p:val>
+                                        </p:tav>
+                                        <p:tav tm="100000">
+                                          <p:val>
+                                            <p:strVal val="#ppt_x"/>
+                                          </p:val>
+                                        </p:tav>
+                                      </p:tavLst>
+                                    </p:anim>
+                                    <p:anim calcmode="lin" valueType="num">
+                                      <p:cBhvr additive="base">
+                                        <p:cTn id="70" dur="500" fill="hold"/>
+                                        <p:tgtEl>
+                                          <p:spTgt spid="11"/>
+                                        </p:tgtEl>
+                                        <p:attrNameLst>
+                                          <p:attrName>ppt_y</p:attrName>
+                                        </p:attrNameLst>
+                                      </p:cBhvr>
+                                      <p:tavLst>
+                                        <p:tav tm="0">
+                                          <p:val>
+                                            <p:strVal val="1+#ppt_h/2"/>
+                                          </p:val>
+                                        </p:tav>
+                                        <p:tav tm="100000">
+                                          <p:val>
+                                            <p:strVal val="#ppt_y"/>
+                                          </p:val>
+                                        </p:tav>
+                                      </p:tavLst>
+                                    </p:anim>
+                                  </p:childTnLst>
+                                </p:cTn>
+                              </p:par>
+                              <p:par>
+                                <p:cTn id="71" presetID="2" presetClass="entr" presetSubtype="4" fill="hold" grpId="0" nodeType="withEffect">
+                                  <p:stCondLst>
+                                    <p:cond delay="0"/>
+                                  </p:stCondLst>
+                                  <p:childTnLst>
+                                    <p:set>
+                                      <p:cBhvr>
+                                        <p:cTn id="72" dur="1" fill="hold">
+                                          <p:stCondLst>
+                                            <p:cond delay="0"/>
+                                          </p:stCondLst>
+                                        </p:cTn>
+                                        <p:tgtEl>
+                                          <p:spTgt spid="12"/>
+                                        </p:tgtEl>
+                                        <p:attrNameLst>
+                                          <p:attrName>style.visibility</p:attrName>
+                                        </p:attrNameLst>
+                                      </p:cBhvr>
+                                      <p:to>
+                                        <p:strVal val="visible"/>
+                                      </p:to>
+                                    </p:set>
+                                    <p:anim calcmode="lin" valueType="num">
+                                      <p:cBhvr additive="base">
+                                        <p:cTn id="73" dur="500" fill="hold"/>
+                                        <p:tgtEl>
+                                          <p:spTgt spid="12"/>
+                                        </p:tgtEl>
+                                        <p:attrNameLst>
+                                          <p:attrName>ppt_x</p:attrName>
+                                        </p:attrNameLst>
+                                      </p:cBhvr>
+                                      <p:tavLst>
+                                        <p:tav tm="0">
+                                          <p:val>
+                                            <p:strVal val="#ppt_x"/>
+                                          </p:val>
+                                        </p:tav>
+                                        <p:tav tm="100000">
+                                          <p:val>
+                                            <p:strVal val="#ppt_x"/>
+                                          </p:val>
+                                        </p:tav>
+                                      </p:tavLst>
+                                    </p:anim>
+                                    <p:anim calcmode="lin" valueType="num">
+                                      <p:cBhvr additive="base">
+                                        <p:cTn id="74" dur="500" fill="hold"/>
+                                        <p:tgtEl>
+                                          <p:spTgt spid="12"/>
+                                        </p:tgtEl>
+                                        <p:attrNameLst>
+                                          <p:attrName>ppt_y</p:attrName>
+                                        </p:attrNameLst>
+                                      </p:cBhvr>
+                                      <p:tavLst>
+                                        <p:tav tm="0">
+                                          <p:val>
+                                            <p:strVal val="1+#ppt_h/2"/>
+                                          </p:val>
+                                        </p:tav>
+                                        <p:tav tm="100000">
+                                          <p:val>
+                                            <p:strVal val="#ppt_y"/>
+                                          </p:val>
+                                        </p:tav>
+                                      </p:tavLst>
+                                    </p:anim>
+                                  </p:childTnLst>
+                                </p:cTn>
+                              </p:par>
+                            </p:childTnLst>
+                          </p:cTn>
+                        </p:par>
+                      </p:childTnLst>
+                    </p:cTn>
+                  </p:par>
+                </p:childTnLst>
+              </p:cTn>
+              <p:prevCondLst>
+                <p:cond evt="onPrev" delay="0">
+                  <p:tgtEl>
+                    <p:sldTgt/>
+                  </p:tgtEl>
+                </p:cond>
+              </p:prevCondLst>
+              <p:nextCondLst>
+                <p:cond evt="onNext" delay="0">
+                  <p:tgtEl>
+                    <p:sldTgt/>
+                  </p:tgtEl>
+                </p:cond>
+              </p:nextCondLst>
+            </p:seq>
+          </p:childTnLst>
+        </p:cTn>
+      </p:par>
+    </p:tnLst>
+    <p:bldLst>
+      <p:bldP spid="14" grpId="0" animBg="1"/>
+      <p:bldP spid="15" grpId="0" animBg="1"/>
+      <p:bldP spid="16" grpId="0" animBg="1"/>
+      <p:bldP spid="9" grpId="0" animBg="1"/>
+      <p:bldP spid="10" grpId="0" animBg="1"/>
+      <p:bldP spid="11" grpId="0" animBg="1"/>
+      <p:bldP spid="12" grpId="0" animBg="1"/>
+    </p:bldLst>
+  </p:timing>
+</p:sld>
+</file>
+
 <file path=ppt/tags/tag1.xml><?xml version="1.0" encoding="utf-8"?>
 <p:tagLst xmlns:a="http://schemas.openxmlformats.org/drawingml/2006/main" xmlns:r="http://schemas.openxmlformats.org/officeDocument/2006/relationships" xmlns:p="http://schemas.openxmlformats.org/presentationml/2006/main">
   <p:tag name="TIMING" val="|0.5"/>
@@ -6498,6 +8764,12 @@
 </file>
 
 <file path=ppt/tags/tag7.xml><?xml version="1.0" encoding="utf-8"?>
+<p:tagLst xmlns:a="http://schemas.openxmlformats.org/drawingml/2006/main" xmlns:r="http://schemas.openxmlformats.org/officeDocument/2006/relationships" xmlns:p="http://schemas.openxmlformats.org/presentationml/2006/main">
+  <p:tag name="TIMING" val="|0.5|0.6|0.5"/>
+</p:tagLst>
+</file>
+
+<file path=ppt/tags/tag8.xml><?xml version="1.0" encoding="utf-8"?>
 <p:tagLst xmlns:a="http://schemas.openxmlformats.org/drawingml/2006/main" xmlns:r="http://schemas.openxmlformats.org/officeDocument/2006/relationships" xmlns:p="http://schemas.openxmlformats.org/presentationml/2006/main">
   <p:tag name="TIMING" val="|0.5|0.6|0.5"/>
 </p:tagLst>

--- a/PPT/二叉树遍历问题.pptx
+++ b/PPT/二叉树遍历问题.pptx
@@ -7,12 +7,9 @@
   <p:sldIdLst>
     <p:sldId id="256" r:id="rId2"/>
     <p:sldId id="264" r:id="rId3"/>
-    <p:sldId id="275" r:id="rId4"/>
-    <p:sldId id="277" r:id="rId5"/>
-    <p:sldId id="278" r:id="rId6"/>
-    <p:sldId id="279" r:id="rId7"/>
-    <p:sldId id="280" r:id="rId8"/>
-    <p:sldId id="281" r:id="rId9"/>
+    <p:sldId id="277" r:id="rId4"/>
+    <p:sldId id="279" r:id="rId5"/>
+    <p:sldId id="281" r:id="rId6"/>
   </p:sldIdLst>
   <p:sldSz cx="12192000" cy="6858000"/>
   <p:notesSz cx="6858000" cy="9144000"/>
@@ -277,7 +274,7 @@
           <a:p>
             <a:fld id="{6AF5F8E3-31EE-4235-A1A1-81E42DA57221}" type="datetimeFigureOut">
               <a:rPr lang="zh-CN" altLang="en-US" smtClean="0"/>
-              <a:t>2021/9/5</a:t>
+              <a:t>2021/9/20</a:t>
             </a:fld>
             <a:endParaRPr lang="zh-CN" altLang="en-US"/>
           </a:p>
@@ -511,7 +508,7 @@
           <a:p>
             <a:fld id="{6AF5F8E3-31EE-4235-A1A1-81E42DA57221}" type="datetimeFigureOut">
               <a:rPr lang="zh-CN" altLang="en-US" smtClean="0"/>
-              <a:t>2021/9/5</a:t>
+              <a:t>2021/9/20</a:t>
             </a:fld>
             <a:endParaRPr lang="zh-CN" altLang="en-US"/>
           </a:p>
@@ -719,7 +716,7 @@
           <a:p>
             <a:fld id="{6AF5F8E3-31EE-4235-A1A1-81E42DA57221}" type="datetimeFigureOut">
               <a:rPr lang="zh-CN" altLang="en-US" smtClean="0"/>
-              <a:t>2021/9/5</a:t>
+              <a:t>2021/9/20</a:t>
             </a:fld>
             <a:endParaRPr lang="zh-CN" altLang="en-US"/>
           </a:p>
@@ -917,7 +914,7 @@
           <a:p>
             <a:fld id="{6AF5F8E3-31EE-4235-A1A1-81E42DA57221}" type="datetimeFigureOut">
               <a:rPr lang="zh-CN" altLang="en-US" smtClean="0"/>
-              <a:t>2021/9/5</a:t>
+              <a:t>2021/9/20</a:t>
             </a:fld>
             <a:endParaRPr lang="zh-CN" altLang="en-US"/>
           </a:p>
@@ -1192,7 +1189,7 @@
           <a:p>
             <a:fld id="{6AF5F8E3-31EE-4235-A1A1-81E42DA57221}" type="datetimeFigureOut">
               <a:rPr lang="zh-CN" altLang="en-US" smtClean="0"/>
-              <a:t>2021/9/5</a:t>
+              <a:t>2021/9/20</a:t>
             </a:fld>
             <a:endParaRPr lang="zh-CN" altLang="en-US"/>
           </a:p>
@@ -1457,7 +1454,7 @@
           <a:p>
             <a:fld id="{6AF5F8E3-31EE-4235-A1A1-81E42DA57221}" type="datetimeFigureOut">
               <a:rPr lang="zh-CN" altLang="en-US" smtClean="0"/>
-              <a:t>2021/9/5</a:t>
+              <a:t>2021/9/20</a:t>
             </a:fld>
             <a:endParaRPr lang="zh-CN" altLang="en-US"/>
           </a:p>
@@ -1869,7 +1866,7 @@
           <a:p>
             <a:fld id="{6AF5F8E3-31EE-4235-A1A1-81E42DA57221}" type="datetimeFigureOut">
               <a:rPr lang="zh-CN" altLang="en-US" smtClean="0"/>
-              <a:t>2021/9/5</a:t>
+              <a:t>2021/9/20</a:t>
             </a:fld>
             <a:endParaRPr lang="zh-CN" altLang="en-US"/>
           </a:p>
@@ -2010,7 +2007,7 @@
           <a:p>
             <a:fld id="{6AF5F8E3-31EE-4235-A1A1-81E42DA57221}" type="datetimeFigureOut">
               <a:rPr lang="zh-CN" altLang="en-US" smtClean="0"/>
-              <a:t>2021/9/5</a:t>
+              <a:t>2021/9/20</a:t>
             </a:fld>
             <a:endParaRPr lang="zh-CN" altLang="en-US"/>
           </a:p>
@@ -2123,7 +2120,7 @@
           <a:p>
             <a:fld id="{6AF5F8E3-31EE-4235-A1A1-81E42DA57221}" type="datetimeFigureOut">
               <a:rPr lang="zh-CN" altLang="en-US" smtClean="0"/>
-              <a:t>2021/9/5</a:t>
+              <a:t>2021/9/20</a:t>
             </a:fld>
             <a:endParaRPr lang="zh-CN" altLang="en-US"/>
           </a:p>
@@ -2434,7 +2431,7 @@
           <a:p>
             <a:fld id="{6AF5F8E3-31EE-4235-A1A1-81E42DA57221}" type="datetimeFigureOut">
               <a:rPr lang="zh-CN" altLang="en-US" smtClean="0"/>
-              <a:t>2021/9/5</a:t>
+              <a:t>2021/9/20</a:t>
             </a:fld>
             <a:endParaRPr lang="zh-CN" altLang="en-US"/>
           </a:p>
@@ -2722,7 +2719,7 @@
           <a:p>
             <a:fld id="{6AF5F8E3-31EE-4235-A1A1-81E42DA57221}" type="datetimeFigureOut">
               <a:rPr lang="zh-CN" altLang="en-US" smtClean="0"/>
-              <a:t>2021/9/5</a:t>
+              <a:t>2021/9/20</a:t>
             </a:fld>
             <a:endParaRPr lang="zh-CN" altLang="en-US"/>
           </a:p>
@@ -2963,7 +2960,7 @@
           <a:p>
             <a:fld id="{6AF5F8E3-31EE-4235-A1A1-81E42DA57221}" type="datetimeFigureOut">
               <a:rPr lang="zh-CN" altLang="en-US" smtClean="0"/>
-              <a:t>2021/9/5</a:t>
+              <a:t>2021/9/20</a:t>
             </a:fld>
             <a:endParaRPr lang="zh-CN" altLang="en-US"/>
           </a:p>
@@ -3407,18 +3404,11 @@
           <a:lstStyle/>
           <a:p>
             <a:r>
-              <a:rPr lang="en-US" altLang="zh-CN" dirty="0" err="1">
-                <a:latin typeface="微软雅黑" panose="020B0503020204020204" pitchFamily="34" charset="-122"/>
-                <a:ea typeface="微软雅黑" panose="020B0503020204020204" pitchFamily="34" charset="-122"/>
-              </a:rPr>
-              <a:t>LeetCode</a:t>
-            </a:r>
-            <a:r>
               <a:rPr lang="en-US" altLang="zh-CN" dirty="0">
                 <a:latin typeface="微软雅黑" panose="020B0503020204020204" pitchFamily="34" charset="-122"/>
                 <a:ea typeface="微软雅黑" panose="020B0503020204020204" pitchFamily="34" charset="-122"/>
               </a:rPr>
-              <a:t>-</a:t>
+              <a:t>LeetCode-</a:t>
             </a:r>
             <a:r>
               <a:rPr lang="zh-CN" altLang="en-US" dirty="0">
@@ -4058,493 +4048,6 @@
         </p:nvSpPr>
         <p:spPr>
           <a:xfrm>
-            <a:off x="4758493" y="1375731"/>
-            <a:ext cx="559293" cy="506028"/>
-          </a:xfrm>
-          <a:prstGeom prst="roundRect">
-            <a:avLst/>
-          </a:prstGeom>
-          <a:solidFill>
-            <a:schemeClr val="accent4">
-              <a:lumMod val="20000"/>
-              <a:lumOff val="80000"/>
-            </a:schemeClr>
-          </a:solidFill>
-        </p:spPr>
-        <p:style>
-          <a:lnRef idx="2">
-            <a:schemeClr val="dk1"/>
-          </a:lnRef>
-          <a:fillRef idx="1">
-            <a:schemeClr val="lt1"/>
-          </a:fillRef>
-          <a:effectRef idx="0">
-            <a:schemeClr val="dk1"/>
-          </a:effectRef>
-          <a:fontRef idx="minor">
-            <a:schemeClr val="dk1"/>
-          </a:fontRef>
-        </p:style>
-        <p:txBody>
-          <a:bodyPr rtlCol="0" anchor="ctr"/>
-          <a:lstStyle/>
-          <a:p>
-            <a:pPr algn="ctr"/>
-            <a:r>
-              <a:rPr lang="en-US" altLang="zh-CN" dirty="0"/>
-              <a:t>A</a:t>
-            </a:r>
-            <a:endParaRPr lang="zh-CN" altLang="en-US" dirty="0"/>
-          </a:p>
-        </p:txBody>
-      </p:sp>
-      <p:sp>
-        <p:nvSpPr>
-          <p:cNvPr id="15" name="矩形: 圆角 14">
-            <a:extLst>
-              <a:ext uri="{FF2B5EF4-FFF2-40B4-BE49-F238E27FC236}">
-                <a16:creationId xmlns:a16="http://schemas.microsoft.com/office/drawing/2014/main" id="{8B75F03F-D2F4-4B98-B734-8D89781496C7}"/>
-              </a:ext>
-            </a:extLst>
-          </p:cNvPr>
-          <p:cNvSpPr/>
-          <p:nvPr/>
-        </p:nvSpPr>
-        <p:spPr>
-          <a:xfrm>
-            <a:off x="5317786" y="1375731"/>
-            <a:ext cx="559293" cy="506028"/>
-          </a:xfrm>
-          <a:prstGeom prst="roundRect">
-            <a:avLst/>
-          </a:prstGeom>
-          <a:solidFill>
-            <a:schemeClr val="accent5">
-              <a:lumMod val="20000"/>
-              <a:lumOff val="80000"/>
-            </a:schemeClr>
-          </a:solidFill>
-        </p:spPr>
-        <p:style>
-          <a:lnRef idx="2">
-            <a:schemeClr val="dk1"/>
-          </a:lnRef>
-          <a:fillRef idx="1">
-            <a:schemeClr val="lt1"/>
-          </a:fillRef>
-          <a:effectRef idx="0">
-            <a:schemeClr val="dk1"/>
-          </a:effectRef>
-          <a:fontRef idx="minor">
-            <a:schemeClr val="dk1"/>
-          </a:fontRef>
-        </p:style>
-        <p:txBody>
-          <a:bodyPr rtlCol="0" anchor="ctr"/>
-          <a:lstStyle/>
-          <a:p>
-            <a:pPr algn="ctr"/>
-            <a:r>
-              <a:rPr lang="en-US" altLang="zh-CN" dirty="0"/>
-              <a:t>B</a:t>
-            </a:r>
-            <a:endParaRPr lang="zh-CN" altLang="en-US" dirty="0"/>
-          </a:p>
-        </p:txBody>
-      </p:sp>
-      <p:sp>
-        <p:nvSpPr>
-          <p:cNvPr id="16" name="矩形: 圆角 15">
-            <a:extLst>
-              <a:ext uri="{FF2B5EF4-FFF2-40B4-BE49-F238E27FC236}">
-                <a16:creationId xmlns:a16="http://schemas.microsoft.com/office/drawing/2014/main" id="{E22F66C6-FB19-4D1F-9751-900C776172D7}"/>
-              </a:ext>
-            </a:extLst>
-          </p:cNvPr>
-          <p:cNvSpPr/>
-          <p:nvPr/>
-        </p:nvSpPr>
-        <p:spPr>
-          <a:xfrm>
-            <a:off x="6995665" y="1375731"/>
-            <a:ext cx="559293" cy="506028"/>
-          </a:xfrm>
-          <a:prstGeom prst="roundRect">
-            <a:avLst/>
-          </a:prstGeom>
-          <a:solidFill>
-            <a:schemeClr val="accent6">
-              <a:lumMod val="20000"/>
-              <a:lumOff val="80000"/>
-            </a:schemeClr>
-          </a:solidFill>
-        </p:spPr>
-        <p:style>
-          <a:lnRef idx="2">
-            <a:schemeClr val="dk1"/>
-          </a:lnRef>
-          <a:fillRef idx="1">
-            <a:schemeClr val="lt1"/>
-          </a:fillRef>
-          <a:effectRef idx="0">
-            <a:schemeClr val="dk1"/>
-          </a:effectRef>
-          <a:fontRef idx="minor">
-            <a:schemeClr val="dk1"/>
-          </a:fontRef>
-        </p:style>
-        <p:txBody>
-          <a:bodyPr rtlCol="0" anchor="ctr"/>
-          <a:lstStyle/>
-          <a:p>
-            <a:pPr algn="ctr"/>
-            <a:r>
-              <a:rPr lang="en-US" altLang="zh-CN" dirty="0"/>
-              <a:t>C</a:t>
-            </a:r>
-            <a:endParaRPr lang="zh-CN" altLang="en-US" dirty="0"/>
-          </a:p>
-        </p:txBody>
-      </p:sp>
-      <p:pic>
-        <p:nvPicPr>
-          <p:cNvPr id="4" name="图片 3">
-            <a:extLst>
-              <a:ext uri="{FF2B5EF4-FFF2-40B4-BE49-F238E27FC236}">
-                <a16:creationId xmlns:a16="http://schemas.microsoft.com/office/drawing/2014/main" id="{EF1ACF12-CAD2-4A3C-8376-07993BF80AA1}"/>
-              </a:ext>
-            </a:extLst>
-          </p:cNvPr>
-          <p:cNvPicPr>
-            <a:picLocks noChangeAspect="1"/>
-          </p:cNvPicPr>
-          <p:nvPr/>
-        </p:nvPicPr>
-        <p:blipFill>
-          <a:blip r:embed="rId3"/>
-          <a:stretch>
-            <a:fillRect/>
-          </a:stretch>
-        </p:blipFill>
-        <p:spPr>
-          <a:xfrm>
-            <a:off x="382642" y="801272"/>
-            <a:ext cx="4140370" cy="3235569"/>
-          </a:xfrm>
-          <a:prstGeom prst="rect">
-            <a:avLst/>
-          </a:prstGeom>
-        </p:spPr>
-      </p:pic>
-      <p:sp>
-        <p:nvSpPr>
-          <p:cNvPr id="5" name="文本框 4">
-            <a:extLst>
-              <a:ext uri="{FF2B5EF4-FFF2-40B4-BE49-F238E27FC236}">
-                <a16:creationId xmlns:a16="http://schemas.microsoft.com/office/drawing/2014/main" id="{E59BF187-B7ED-4487-8EF1-A1EC60E155F3}"/>
-              </a:ext>
-            </a:extLst>
-          </p:cNvPr>
-          <p:cNvSpPr txBox="1"/>
-          <p:nvPr/>
-        </p:nvSpPr>
-        <p:spPr>
-          <a:xfrm>
-            <a:off x="0" y="0"/>
-            <a:ext cx="2901462" cy="584775"/>
-          </a:xfrm>
-          <a:prstGeom prst="rect">
-            <a:avLst/>
-          </a:prstGeom>
-          <a:noFill/>
-        </p:spPr>
-        <p:txBody>
-          <a:bodyPr wrap="square" rtlCol="0">
-            <a:spAutoFit/>
-          </a:bodyPr>
-          <a:lstStyle/>
-          <a:p>
-            <a:r>
-              <a:rPr lang="zh-CN" altLang="en-US" sz="3200" b="1" dirty="0">
-                <a:latin typeface="微软雅黑" panose="020B0503020204020204" pitchFamily="34" charset="-122"/>
-                <a:ea typeface="微软雅黑" panose="020B0503020204020204" pitchFamily="34" charset="-122"/>
-              </a:rPr>
-              <a:t>前序遍历</a:t>
-            </a:r>
-          </a:p>
-        </p:txBody>
-      </p:sp>
-      <p:sp>
-        <p:nvSpPr>
-          <p:cNvPr id="9" name="矩形: 圆角 8">
-            <a:extLst>
-              <a:ext uri="{FF2B5EF4-FFF2-40B4-BE49-F238E27FC236}">
-                <a16:creationId xmlns:a16="http://schemas.microsoft.com/office/drawing/2014/main" id="{0E7096A5-7B13-4D63-B410-5218ADC2079F}"/>
-              </a:ext>
-            </a:extLst>
-          </p:cNvPr>
-          <p:cNvSpPr/>
-          <p:nvPr/>
-        </p:nvSpPr>
-        <p:spPr>
-          <a:xfrm>
-            <a:off x="5877079" y="1375731"/>
-            <a:ext cx="559293" cy="506028"/>
-          </a:xfrm>
-          <a:prstGeom prst="roundRect">
-            <a:avLst/>
-          </a:prstGeom>
-          <a:solidFill>
-            <a:schemeClr val="accent5">
-              <a:lumMod val="20000"/>
-              <a:lumOff val="80000"/>
-            </a:schemeClr>
-          </a:solidFill>
-        </p:spPr>
-        <p:style>
-          <a:lnRef idx="2">
-            <a:schemeClr val="dk1"/>
-          </a:lnRef>
-          <a:fillRef idx="1">
-            <a:schemeClr val="lt1"/>
-          </a:fillRef>
-          <a:effectRef idx="0">
-            <a:schemeClr val="dk1"/>
-          </a:effectRef>
-          <a:fontRef idx="minor">
-            <a:schemeClr val="dk1"/>
-          </a:fontRef>
-        </p:style>
-        <p:txBody>
-          <a:bodyPr rtlCol="0" anchor="ctr"/>
-          <a:lstStyle/>
-          <a:p>
-            <a:pPr algn="ctr"/>
-            <a:r>
-              <a:rPr lang="en-US" altLang="zh-CN" dirty="0"/>
-              <a:t>D</a:t>
-            </a:r>
-            <a:endParaRPr lang="zh-CN" altLang="en-US" dirty="0"/>
-          </a:p>
-        </p:txBody>
-      </p:sp>
-      <p:sp>
-        <p:nvSpPr>
-          <p:cNvPr id="10" name="矩形: 圆角 9">
-            <a:extLst>
-              <a:ext uri="{FF2B5EF4-FFF2-40B4-BE49-F238E27FC236}">
-                <a16:creationId xmlns:a16="http://schemas.microsoft.com/office/drawing/2014/main" id="{CAD52D5E-FFF1-4F3C-98C9-1B948ABB3AB9}"/>
-              </a:ext>
-            </a:extLst>
-          </p:cNvPr>
-          <p:cNvSpPr/>
-          <p:nvPr/>
-        </p:nvSpPr>
-        <p:spPr>
-          <a:xfrm>
-            <a:off x="6436372" y="1375731"/>
-            <a:ext cx="559293" cy="506028"/>
-          </a:xfrm>
-          <a:prstGeom prst="roundRect">
-            <a:avLst/>
-          </a:prstGeom>
-          <a:solidFill>
-            <a:schemeClr val="accent5">
-              <a:lumMod val="20000"/>
-              <a:lumOff val="80000"/>
-            </a:schemeClr>
-          </a:solidFill>
-        </p:spPr>
-        <p:style>
-          <a:lnRef idx="2">
-            <a:schemeClr val="dk1"/>
-          </a:lnRef>
-          <a:fillRef idx="1">
-            <a:schemeClr val="lt1"/>
-          </a:fillRef>
-          <a:effectRef idx="0">
-            <a:schemeClr val="dk1"/>
-          </a:effectRef>
-          <a:fontRef idx="minor">
-            <a:schemeClr val="dk1"/>
-          </a:fontRef>
-        </p:style>
-        <p:txBody>
-          <a:bodyPr rtlCol="0" anchor="ctr"/>
-          <a:lstStyle/>
-          <a:p>
-            <a:pPr algn="ctr"/>
-            <a:r>
-              <a:rPr lang="en-US" altLang="zh-CN" dirty="0"/>
-              <a:t>E</a:t>
-            </a:r>
-            <a:endParaRPr lang="zh-CN" altLang="en-US" dirty="0"/>
-          </a:p>
-        </p:txBody>
-      </p:sp>
-      <p:sp>
-        <p:nvSpPr>
-          <p:cNvPr id="11" name="矩形: 圆角 10">
-            <a:extLst>
-              <a:ext uri="{FF2B5EF4-FFF2-40B4-BE49-F238E27FC236}">
-                <a16:creationId xmlns:a16="http://schemas.microsoft.com/office/drawing/2014/main" id="{2D4B56C6-C232-4BD1-A5C1-5FAA4C440BB0}"/>
-              </a:ext>
-            </a:extLst>
-          </p:cNvPr>
-          <p:cNvSpPr/>
-          <p:nvPr/>
-        </p:nvSpPr>
-        <p:spPr>
-          <a:xfrm>
-            <a:off x="7554958" y="1375731"/>
-            <a:ext cx="559293" cy="506028"/>
-          </a:xfrm>
-          <a:prstGeom prst="roundRect">
-            <a:avLst/>
-          </a:prstGeom>
-          <a:solidFill>
-            <a:schemeClr val="accent6">
-              <a:lumMod val="20000"/>
-              <a:lumOff val="80000"/>
-            </a:schemeClr>
-          </a:solidFill>
-        </p:spPr>
-        <p:style>
-          <a:lnRef idx="2">
-            <a:schemeClr val="dk1"/>
-          </a:lnRef>
-          <a:fillRef idx="1">
-            <a:schemeClr val="lt1"/>
-          </a:fillRef>
-          <a:effectRef idx="0">
-            <a:schemeClr val="dk1"/>
-          </a:effectRef>
-          <a:fontRef idx="minor">
-            <a:schemeClr val="dk1"/>
-          </a:fontRef>
-        </p:style>
-        <p:txBody>
-          <a:bodyPr rtlCol="0" anchor="ctr"/>
-          <a:lstStyle/>
-          <a:p>
-            <a:pPr algn="ctr"/>
-            <a:r>
-              <a:rPr lang="en-US" altLang="zh-CN" dirty="0"/>
-              <a:t>F</a:t>
-            </a:r>
-            <a:endParaRPr lang="zh-CN" altLang="en-US" dirty="0"/>
-          </a:p>
-        </p:txBody>
-      </p:sp>
-      <p:sp>
-        <p:nvSpPr>
-          <p:cNvPr id="12" name="矩形: 圆角 11">
-            <a:extLst>
-              <a:ext uri="{FF2B5EF4-FFF2-40B4-BE49-F238E27FC236}">
-                <a16:creationId xmlns:a16="http://schemas.microsoft.com/office/drawing/2014/main" id="{43374892-4DB7-41F6-9DB6-9A53E254DAA5}"/>
-              </a:ext>
-            </a:extLst>
-          </p:cNvPr>
-          <p:cNvSpPr/>
-          <p:nvPr/>
-        </p:nvSpPr>
-        <p:spPr>
-          <a:xfrm>
-            <a:off x="8114251" y="1375731"/>
-            <a:ext cx="559293" cy="506028"/>
-          </a:xfrm>
-          <a:prstGeom prst="roundRect">
-            <a:avLst/>
-          </a:prstGeom>
-          <a:solidFill>
-            <a:schemeClr val="accent6">
-              <a:lumMod val="20000"/>
-              <a:lumOff val="80000"/>
-            </a:schemeClr>
-          </a:solidFill>
-        </p:spPr>
-        <p:style>
-          <a:lnRef idx="2">
-            <a:schemeClr val="dk1"/>
-          </a:lnRef>
-          <a:fillRef idx="1">
-            <a:schemeClr val="lt1"/>
-          </a:fillRef>
-          <a:effectRef idx="0">
-            <a:schemeClr val="dk1"/>
-          </a:effectRef>
-          <a:fontRef idx="minor">
-            <a:schemeClr val="dk1"/>
-          </a:fontRef>
-        </p:style>
-        <p:txBody>
-          <a:bodyPr rtlCol="0" anchor="ctr"/>
-          <a:lstStyle/>
-          <a:p>
-            <a:pPr algn="ctr"/>
-            <a:r>
-              <a:rPr lang="en-US" altLang="zh-CN" dirty="0"/>
-              <a:t>G</a:t>
-            </a:r>
-            <a:endParaRPr lang="zh-CN" altLang="en-US" dirty="0"/>
-          </a:p>
-        </p:txBody>
-      </p:sp>
-    </p:spTree>
-    <p:custDataLst>
-      <p:tags r:id="rId1"/>
-    </p:custDataLst>
-    <p:extLst>
-      <p:ext uri="{BB962C8B-B14F-4D97-AF65-F5344CB8AC3E}">
-        <p14:creationId xmlns:p14="http://schemas.microsoft.com/office/powerpoint/2010/main" val="2573171009"/>
-      </p:ext>
-    </p:extLst>
-  </p:cSld>
-  <p:clrMapOvr>
-    <a:masterClrMapping/>
-  </p:clrMapOvr>
-  <mc:AlternateContent xmlns:mc="http://schemas.openxmlformats.org/markup-compatibility/2006" xmlns:p14="http://schemas.microsoft.com/office/powerpoint/2010/main">
-    <mc:Choice Requires="p14">
-      <p:transition spd="slow" p14:dur="2000" advTm="2265"/>
-    </mc:Choice>
-    <mc:Fallback xmlns="">
-      <p:transition spd="slow" advTm="2265"/>
-    </mc:Fallback>
-  </mc:AlternateContent>
-</p:sld>
-</file>
-
-<file path=ppt/slides/slide4.xml><?xml version="1.0" encoding="utf-8"?>
-<p:sld xmlns:a="http://schemas.openxmlformats.org/drawingml/2006/main" xmlns:r="http://schemas.openxmlformats.org/officeDocument/2006/relationships" xmlns:p="http://schemas.openxmlformats.org/presentationml/2006/main">
-  <p:cSld>
-    <p:spTree>
-      <p:nvGrpSpPr>
-        <p:cNvPr id="1" name=""/>
-        <p:cNvGrpSpPr/>
-        <p:nvPr/>
-      </p:nvGrpSpPr>
-      <p:grpSpPr>
-        <a:xfrm>
-          <a:off x="0" y="0"/>
-          <a:ext cx="0" cy="0"/>
-          <a:chOff x="0" y="0"/>
-          <a:chExt cx="0" cy="0"/>
-        </a:xfrm>
-      </p:grpSpPr>
-      <p:sp>
-        <p:nvSpPr>
-          <p:cNvPr id="14" name="矩形: 圆角 13">
-            <a:extLst>
-              <a:ext uri="{FF2B5EF4-FFF2-40B4-BE49-F238E27FC236}">
-                <a16:creationId xmlns:a16="http://schemas.microsoft.com/office/drawing/2014/main" id="{29C3B6B0-7D9D-4BF1-AE09-8575DEAF6D57}"/>
-              </a:ext>
-            </a:extLst>
-          </p:cNvPr>
-          <p:cNvSpPr/>
-          <p:nvPr/>
-        </p:nvSpPr>
-        <p:spPr>
-          <a:xfrm>
             <a:off x="5816353" y="4621851"/>
             <a:ext cx="559293" cy="506028"/>
           </a:xfrm>
@@ -5001,494 +4504,7 @@
 </p:sld>
 </file>
 
-<file path=ppt/slides/slide5.xml><?xml version="1.0" encoding="utf-8"?>
-<p:sld xmlns:a="http://schemas.openxmlformats.org/drawingml/2006/main" xmlns:r="http://schemas.openxmlformats.org/officeDocument/2006/relationships" xmlns:p="http://schemas.openxmlformats.org/presentationml/2006/main">
-  <p:cSld>
-    <p:spTree>
-      <p:nvGrpSpPr>
-        <p:cNvPr id="1" name=""/>
-        <p:cNvGrpSpPr/>
-        <p:nvPr/>
-      </p:nvGrpSpPr>
-      <p:grpSpPr>
-        <a:xfrm>
-          <a:off x="0" y="0"/>
-          <a:ext cx="0" cy="0"/>
-          <a:chOff x="0" y="0"/>
-          <a:chExt cx="0" cy="0"/>
-        </a:xfrm>
-      </p:grpSpPr>
-      <p:sp>
-        <p:nvSpPr>
-          <p:cNvPr id="14" name="矩形: 圆角 13">
-            <a:extLst>
-              <a:ext uri="{FF2B5EF4-FFF2-40B4-BE49-F238E27FC236}">
-                <a16:creationId xmlns:a16="http://schemas.microsoft.com/office/drawing/2014/main" id="{29C3B6B0-7D9D-4BF1-AE09-8575DEAF6D57}"/>
-              </a:ext>
-            </a:extLst>
-          </p:cNvPr>
-          <p:cNvSpPr/>
-          <p:nvPr/>
-        </p:nvSpPr>
-        <p:spPr>
-          <a:xfrm>
-            <a:off x="7210813" y="584775"/>
-            <a:ext cx="559293" cy="506028"/>
-          </a:xfrm>
-          <a:prstGeom prst="roundRect">
-            <a:avLst/>
-          </a:prstGeom>
-          <a:solidFill>
-            <a:schemeClr val="accent4">
-              <a:lumMod val="20000"/>
-              <a:lumOff val="80000"/>
-            </a:schemeClr>
-          </a:solidFill>
-        </p:spPr>
-        <p:style>
-          <a:lnRef idx="2">
-            <a:schemeClr val="dk1"/>
-          </a:lnRef>
-          <a:fillRef idx="1">
-            <a:schemeClr val="lt1"/>
-          </a:fillRef>
-          <a:effectRef idx="0">
-            <a:schemeClr val="dk1"/>
-          </a:effectRef>
-          <a:fontRef idx="minor">
-            <a:schemeClr val="dk1"/>
-          </a:fontRef>
-        </p:style>
-        <p:txBody>
-          <a:bodyPr rtlCol="0" anchor="ctr"/>
-          <a:lstStyle/>
-          <a:p>
-            <a:pPr algn="ctr"/>
-            <a:r>
-              <a:rPr lang="en-US" altLang="zh-CN" dirty="0"/>
-              <a:t>A</a:t>
-            </a:r>
-            <a:endParaRPr lang="zh-CN" altLang="en-US" dirty="0"/>
-          </a:p>
-        </p:txBody>
-      </p:sp>
-      <p:sp>
-        <p:nvSpPr>
-          <p:cNvPr id="15" name="矩形: 圆角 14">
-            <a:extLst>
-              <a:ext uri="{FF2B5EF4-FFF2-40B4-BE49-F238E27FC236}">
-                <a16:creationId xmlns:a16="http://schemas.microsoft.com/office/drawing/2014/main" id="{8B75F03F-D2F4-4B98-B734-8D89781496C7}"/>
-              </a:ext>
-            </a:extLst>
-          </p:cNvPr>
-          <p:cNvSpPr/>
-          <p:nvPr/>
-        </p:nvSpPr>
-        <p:spPr>
-          <a:xfrm>
-            <a:off x="6092227" y="584775"/>
-            <a:ext cx="559293" cy="506028"/>
-          </a:xfrm>
-          <a:prstGeom prst="roundRect">
-            <a:avLst/>
-          </a:prstGeom>
-          <a:solidFill>
-            <a:schemeClr val="accent5">
-              <a:lumMod val="20000"/>
-              <a:lumOff val="80000"/>
-            </a:schemeClr>
-          </a:solidFill>
-        </p:spPr>
-        <p:style>
-          <a:lnRef idx="2">
-            <a:schemeClr val="dk1"/>
-          </a:lnRef>
-          <a:fillRef idx="1">
-            <a:schemeClr val="lt1"/>
-          </a:fillRef>
-          <a:effectRef idx="0">
-            <a:schemeClr val="dk1"/>
-          </a:effectRef>
-          <a:fontRef idx="minor">
-            <a:schemeClr val="dk1"/>
-          </a:fontRef>
-        </p:style>
-        <p:txBody>
-          <a:bodyPr rtlCol="0" anchor="ctr"/>
-          <a:lstStyle/>
-          <a:p>
-            <a:pPr algn="ctr"/>
-            <a:r>
-              <a:rPr lang="en-US" altLang="zh-CN" dirty="0"/>
-              <a:t>B</a:t>
-            </a:r>
-            <a:endParaRPr lang="zh-CN" altLang="en-US" dirty="0"/>
-          </a:p>
-        </p:txBody>
-      </p:sp>
-      <p:sp>
-        <p:nvSpPr>
-          <p:cNvPr id="16" name="矩形: 圆角 15">
-            <a:extLst>
-              <a:ext uri="{FF2B5EF4-FFF2-40B4-BE49-F238E27FC236}">
-                <a16:creationId xmlns:a16="http://schemas.microsoft.com/office/drawing/2014/main" id="{E22F66C6-FB19-4D1F-9751-900C776172D7}"/>
-              </a:ext>
-            </a:extLst>
-          </p:cNvPr>
-          <p:cNvSpPr/>
-          <p:nvPr/>
-        </p:nvSpPr>
-        <p:spPr>
-          <a:xfrm>
-            <a:off x="8329399" y="584775"/>
-            <a:ext cx="559293" cy="506028"/>
-          </a:xfrm>
-          <a:prstGeom prst="roundRect">
-            <a:avLst/>
-          </a:prstGeom>
-          <a:solidFill>
-            <a:schemeClr val="accent6">
-              <a:lumMod val="20000"/>
-              <a:lumOff val="80000"/>
-            </a:schemeClr>
-          </a:solidFill>
-        </p:spPr>
-        <p:style>
-          <a:lnRef idx="2">
-            <a:schemeClr val="dk1"/>
-          </a:lnRef>
-          <a:fillRef idx="1">
-            <a:schemeClr val="lt1"/>
-          </a:fillRef>
-          <a:effectRef idx="0">
-            <a:schemeClr val="dk1"/>
-          </a:effectRef>
-          <a:fontRef idx="minor">
-            <a:schemeClr val="dk1"/>
-          </a:fontRef>
-        </p:style>
-        <p:txBody>
-          <a:bodyPr rtlCol="0" anchor="ctr"/>
-          <a:lstStyle/>
-          <a:p>
-            <a:pPr algn="ctr"/>
-            <a:r>
-              <a:rPr lang="en-US" altLang="zh-CN" dirty="0"/>
-              <a:t>C</a:t>
-            </a:r>
-            <a:endParaRPr lang="zh-CN" altLang="en-US" dirty="0"/>
-          </a:p>
-        </p:txBody>
-      </p:sp>
-      <p:sp>
-        <p:nvSpPr>
-          <p:cNvPr id="5" name="文本框 4">
-            <a:extLst>
-              <a:ext uri="{FF2B5EF4-FFF2-40B4-BE49-F238E27FC236}">
-                <a16:creationId xmlns:a16="http://schemas.microsoft.com/office/drawing/2014/main" id="{E59BF187-B7ED-4487-8EF1-A1EC60E155F3}"/>
-              </a:ext>
-            </a:extLst>
-          </p:cNvPr>
-          <p:cNvSpPr txBox="1"/>
-          <p:nvPr/>
-        </p:nvSpPr>
-        <p:spPr>
-          <a:xfrm>
-            <a:off x="0" y="0"/>
-            <a:ext cx="2901462" cy="584775"/>
-          </a:xfrm>
-          <a:prstGeom prst="rect">
-            <a:avLst/>
-          </a:prstGeom>
-          <a:noFill/>
-        </p:spPr>
-        <p:txBody>
-          <a:bodyPr wrap="square" rtlCol="0">
-            <a:spAutoFit/>
-          </a:bodyPr>
-          <a:lstStyle/>
-          <a:p>
-            <a:r>
-              <a:rPr lang="zh-CN" altLang="en-US" sz="3200" b="1" dirty="0">
-                <a:latin typeface="微软雅黑" panose="020B0503020204020204" pitchFamily="34" charset="-122"/>
-                <a:ea typeface="微软雅黑" panose="020B0503020204020204" pitchFamily="34" charset="-122"/>
-              </a:rPr>
-              <a:t>中序遍历</a:t>
-            </a:r>
-          </a:p>
-        </p:txBody>
-      </p:sp>
-      <p:sp>
-        <p:nvSpPr>
-          <p:cNvPr id="9" name="矩形: 圆角 8">
-            <a:extLst>
-              <a:ext uri="{FF2B5EF4-FFF2-40B4-BE49-F238E27FC236}">
-                <a16:creationId xmlns:a16="http://schemas.microsoft.com/office/drawing/2014/main" id="{0E7096A5-7B13-4D63-B410-5218ADC2079F}"/>
-              </a:ext>
-            </a:extLst>
-          </p:cNvPr>
-          <p:cNvSpPr/>
-          <p:nvPr/>
-        </p:nvSpPr>
-        <p:spPr>
-          <a:xfrm>
-            <a:off x="5532934" y="584775"/>
-            <a:ext cx="559293" cy="506028"/>
-          </a:xfrm>
-          <a:prstGeom prst="roundRect">
-            <a:avLst/>
-          </a:prstGeom>
-          <a:solidFill>
-            <a:schemeClr val="accent5">
-              <a:lumMod val="20000"/>
-              <a:lumOff val="80000"/>
-            </a:schemeClr>
-          </a:solidFill>
-        </p:spPr>
-        <p:style>
-          <a:lnRef idx="2">
-            <a:schemeClr val="dk1"/>
-          </a:lnRef>
-          <a:fillRef idx="1">
-            <a:schemeClr val="lt1"/>
-          </a:fillRef>
-          <a:effectRef idx="0">
-            <a:schemeClr val="dk1"/>
-          </a:effectRef>
-          <a:fontRef idx="minor">
-            <a:schemeClr val="dk1"/>
-          </a:fontRef>
-        </p:style>
-        <p:txBody>
-          <a:bodyPr rtlCol="0" anchor="ctr"/>
-          <a:lstStyle/>
-          <a:p>
-            <a:pPr algn="ctr"/>
-            <a:r>
-              <a:rPr lang="en-US" altLang="zh-CN" dirty="0"/>
-              <a:t>D</a:t>
-            </a:r>
-            <a:endParaRPr lang="zh-CN" altLang="en-US" dirty="0"/>
-          </a:p>
-        </p:txBody>
-      </p:sp>
-      <p:sp>
-        <p:nvSpPr>
-          <p:cNvPr id="10" name="矩形: 圆角 9">
-            <a:extLst>
-              <a:ext uri="{FF2B5EF4-FFF2-40B4-BE49-F238E27FC236}">
-                <a16:creationId xmlns:a16="http://schemas.microsoft.com/office/drawing/2014/main" id="{CAD52D5E-FFF1-4F3C-98C9-1B948ABB3AB9}"/>
-              </a:ext>
-            </a:extLst>
-          </p:cNvPr>
-          <p:cNvSpPr/>
-          <p:nvPr/>
-        </p:nvSpPr>
-        <p:spPr>
-          <a:xfrm>
-            <a:off x="6651520" y="584775"/>
-            <a:ext cx="559293" cy="506028"/>
-          </a:xfrm>
-          <a:prstGeom prst="roundRect">
-            <a:avLst/>
-          </a:prstGeom>
-          <a:solidFill>
-            <a:schemeClr val="accent5">
-              <a:lumMod val="20000"/>
-              <a:lumOff val="80000"/>
-            </a:schemeClr>
-          </a:solidFill>
-        </p:spPr>
-        <p:style>
-          <a:lnRef idx="2">
-            <a:schemeClr val="dk1"/>
-          </a:lnRef>
-          <a:fillRef idx="1">
-            <a:schemeClr val="lt1"/>
-          </a:fillRef>
-          <a:effectRef idx="0">
-            <a:schemeClr val="dk1"/>
-          </a:effectRef>
-          <a:fontRef idx="minor">
-            <a:schemeClr val="dk1"/>
-          </a:fontRef>
-        </p:style>
-        <p:txBody>
-          <a:bodyPr rtlCol="0" anchor="ctr"/>
-          <a:lstStyle/>
-          <a:p>
-            <a:pPr algn="ctr"/>
-            <a:r>
-              <a:rPr lang="en-US" altLang="zh-CN" dirty="0"/>
-              <a:t>E</a:t>
-            </a:r>
-            <a:endParaRPr lang="zh-CN" altLang="en-US" dirty="0"/>
-          </a:p>
-        </p:txBody>
-      </p:sp>
-      <p:sp>
-        <p:nvSpPr>
-          <p:cNvPr id="11" name="矩形: 圆角 10">
-            <a:extLst>
-              <a:ext uri="{FF2B5EF4-FFF2-40B4-BE49-F238E27FC236}">
-                <a16:creationId xmlns:a16="http://schemas.microsoft.com/office/drawing/2014/main" id="{2D4B56C6-C232-4BD1-A5C1-5FAA4C440BB0}"/>
-              </a:ext>
-            </a:extLst>
-          </p:cNvPr>
-          <p:cNvSpPr/>
-          <p:nvPr/>
-        </p:nvSpPr>
-        <p:spPr>
-          <a:xfrm>
-            <a:off x="7770106" y="584775"/>
-            <a:ext cx="559293" cy="506028"/>
-          </a:xfrm>
-          <a:prstGeom prst="roundRect">
-            <a:avLst/>
-          </a:prstGeom>
-          <a:solidFill>
-            <a:schemeClr val="accent6">
-              <a:lumMod val="20000"/>
-              <a:lumOff val="80000"/>
-            </a:schemeClr>
-          </a:solidFill>
-        </p:spPr>
-        <p:style>
-          <a:lnRef idx="2">
-            <a:schemeClr val="dk1"/>
-          </a:lnRef>
-          <a:fillRef idx="1">
-            <a:schemeClr val="lt1"/>
-          </a:fillRef>
-          <a:effectRef idx="0">
-            <a:schemeClr val="dk1"/>
-          </a:effectRef>
-          <a:fontRef idx="minor">
-            <a:schemeClr val="dk1"/>
-          </a:fontRef>
-        </p:style>
-        <p:txBody>
-          <a:bodyPr rtlCol="0" anchor="ctr"/>
-          <a:lstStyle/>
-          <a:p>
-            <a:pPr algn="ctr"/>
-            <a:r>
-              <a:rPr lang="en-US" altLang="zh-CN" dirty="0"/>
-              <a:t>F</a:t>
-            </a:r>
-            <a:endParaRPr lang="zh-CN" altLang="en-US" dirty="0"/>
-          </a:p>
-        </p:txBody>
-      </p:sp>
-      <p:sp>
-        <p:nvSpPr>
-          <p:cNvPr id="12" name="矩形: 圆角 11">
-            <a:extLst>
-              <a:ext uri="{FF2B5EF4-FFF2-40B4-BE49-F238E27FC236}">
-                <a16:creationId xmlns:a16="http://schemas.microsoft.com/office/drawing/2014/main" id="{43374892-4DB7-41F6-9DB6-9A53E254DAA5}"/>
-              </a:ext>
-            </a:extLst>
-          </p:cNvPr>
-          <p:cNvSpPr/>
-          <p:nvPr/>
-        </p:nvSpPr>
-        <p:spPr>
-          <a:xfrm>
-            <a:off x="8888692" y="584775"/>
-            <a:ext cx="559293" cy="506028"/>
-          </a:xfrm>
-          <a:prstGeom prst="roundRect">
-            <a:avLst/>
-          </a:prstGeom>
-          <a:solidFill>
-            <a:schemeClr val="accent6">
-              <a:lumMod val="20000"/>
-              <a:lumOff val="80000"/>
-            </a:schemeClr>
-          </a:solidFill>
-        </p:spPr>
-        <p:style>
-          <a:lnRef idx="2">
-            <a:schemeClr val="dk1"/>
-          </a:lnRef>
-          <a:fillRef idx="1">
-            <a:schemeClr val="lt1"/>
-          </a:fillRef>
-          <a:effectRef idx="0">
-            <a:schemeClr val="dk1"/>
-          </a:effectRef>
-          <a:fontRef idx="minor">
-            <a:schemeClr val="dk1"/>
-          </a:fontRef>
-        </p:style>
-        <p:txBody>
-          <a:bodyPr rtlCol="0" anchor="ctr"/>
-          <a:lstStyle/>
-          <a:p>
-            <a:pPr algn="ctr"/>
-            <a:r>
-              <a:rPr lang="en-US" altLang="zh-CN" dirty="0"/>
-              <a:t>G</a:t>
-            </a:r>
-            <a:endParaRPr lang="zh-CN" altLang="en-US" dirty="0"/>
-          </a:p>
-        </p:txBody>
-      </p:sp>
-      <p:pic>
-        <p:nvPicPr>
-          <p:cNvPr id="3" name="图片 2">
-            <a:extLst>
-              <a:ext uri="{FF2B5EF4-FFF2-40B4-BE49-F238E27FC236}">
-                <a16:creationId xmlns:a16="http://schemas.microsoft.com/office/drawing/2014/main" id="{4B2D3E53-74DE-442B-9E38-8AE9661B06CF}"/>
-              </a:ext>
-            </a:extLst>
-          </p:cNvPr>
-          <p:cNvPicPr>
-            <a:picLocks noChangeAspect="1"/>
-          </p:cNvPicPr>
-          <p:nvPr/>
-        </p:nvPicPr>
-        <p:blipFill>
-          <a:blip r:embed="rId3"/>
-          <a:stretch>
-            <a:fillRect/>
-          </a:stretch>
-        </p:blipFill>
-        <p:spPr>
-          <a:xfrm>
-            <a:off x="0" y="708659"/>
-            <a:ext cx="3742283" cy="2827021"/>
-          </a:xfrm>
-          <a:prstGeom prst="rect">
-            <a:avLst/>
-          </a:prstGeom>
-        </p:spPr>
-      </p:pic>
-    </p:spTree>
-    <p:custDataLst>
-      <p:tags r:id="rId1"/>
-    </p:custDataLst>
-    <p:extLst>
-      <p:ext uri="{BB962C8B-B14F-4D97-AF65-F5344CB8AC3E}">
-        <p14:creationId xmlns:p14="http://schemas.microsoft.com/office/powerpoint/2010/main" val="2673242330"/>
-      </p:ext>
-    </p:extLst>
-  </p:cSld>
-  <p:clrMapOvr>
-    <a:masterClrMapping/>
-  </p:clrMapOvr>
-  <mc:AlternateContent xmlns:mc="http://schemas.openxmlformats.org/markup-compatibility/2006" xmlns:p14="http://schemas.microsoft.com/office/powerpoint/2010/main">
-    <mc:Choice Requires="p14">
-      <p:transition spd="slow" p14:dur="2000" advTm="2265"/>
-    </mc:Choice>
-    <mc:Fallback xmlns="">
-      <p:transition spd="slow" advTm="2265"/>
-    </mc:Fallback>
-  </mc:AlternateContent>
-</p:sld>
-</file>
-
-<file path=ppt/slides/slide6.xml><?xml version="1.0" encoding="utf-8"?>
+<file path=ppt/slides/slide4.xml><?xml version="1.0" encoding="utf-8"?>
 <p:sld xmlns:a="http://schemas.openxmlformats.org/drawingml/2006/main" xmlns:r="http://schemas.openxmlformats.org/officeDocument/2006/relationships" xmlns:p="http://schemas.openxmlformats.org/presentationml/2006/main">
   <p:cSld>
     <p:spTree>
@@ -5975,494 +4991,7 @@
 </p:sld>
 </file>
 
-<file path=ppt/slides/slide7.xml><?xml version="1.0" encoding="utf-8"?>
-<p:sld xmlns:a="http://schemas.openxmlformats.org/drawingml/2006/main" xmlns:r="http://schemas.openxmlformats.org/officeDocument/2006/relationships" xmlns:p="http://schemas.openxmlformats.org/presentationml/2006/main">
-  <p:cSld>
-    <p:spTree>
-      <p:nvGrpSpPr>
-        <p:cNvPr id="1" name=""/>
-        <p:cNvGrpSpPr/>
-        <p:nvPr/>
-      </p:nvGrpSpPr>
-      <p:grpSpPr>
-        <a:xfrm>
-          <a:off x="0" y="0"/>
-          <a:ext cx="0" cy="0"/>
-          <a:chOff x="0" y="0"/>
-          <a:chExt cx="0" cy="0"/>
-        </a:xfrm>
-      </p:grpSpPr>
-      <p:sp>
-        <p:nvSpPr>
-          <p:cNvPr id="14" name="矩形: 圆角 13">
-            <a:extLst>
-              <a:ext uri="{FF2B5EF4-FFF2-40B4-BE49-F238E27FC236}">
-                <a16:creationId xmlns:a16="http://schemas.microsoft.com/office/drawing/2014/main" id="{29C3B6B0-7D9D-4BF1-AE09-8575DEAF6D57}"/>
-              </a:ext>
-            </a:extLst>
-          </p:cNvPr>
-          <p:cNvSpPr/>
-          <p:nvPr/>
-        </p:nvSpPr>
-        <p:spPr>
-          <a:xfrm>
-            <a:off x="8690572" y="656754"/>
-            <a:ext cx="559293" cy="506028"/>
-          </a:xfrm>
-          <a:prstGeom prst="roundRect">
-            <a:avLst/>
-          </a:prstGeom>
-          <a:solidFill>
-            <a:schemeClr val="accent4">
-              <a:lumMod val="20000"/>
-              <a:lumOff val="80000"/>
-            </a:schemeClr>
-          </a:solidFill>
-        </p:spPr>
-        <p:style>
-          <a:lnRef idx="2">
-            <a:schemeClr val="dk1"/>
-          </a:lnRef>
-          <a:fillRef idx="1">
-            <a:schemeClr val="lt1"/>
-          </a:fillRef>
-          <a:effectRef idx="0">
-            <a:schemeClr val="dk1"/>
-          </a:effectRef>
-          <a:fontRef idx="minor">
-            <a:schemeClr val="dk1"/>
-          </a:fontRef>
-        </p:style>
-        <p:txBody>
-          <a:bodyPr rtlCol="0" anchor="ctr"/>
-          <a:lstStyle/>
-          <a:p>
-            <a:pPr algn="ctr"/>
-            <a:r>
-              <a:rPr lang="en-US" altLang="zh-CN" dirty="0"/>
-              <a:t>A</a:t>
-            </a:r>
-            <a:endParaRPr lang="zh-CN" altLang="en-US" dirty="0"/>
-          </a:p>
-        </p:txBody>
-      </p:sp>
-      <p:sp>
-        <p:nvSpPr>
-          <p:cNvPr id="15" name="矩形: 圆角 14">
-            <a:extLst>
-              <a:ext uri="{FF2B5EF4-FFF2-40B4-BE49-F238E27FC236}">
-                <a16:creationId xmlns:a16="http://schemas.microsoft.com/office/drawing/2014/main" id="{8B75F03F-D2F4-4B98-B734-8D89781496C7}"/>
-              </a:ext>
-            </a:extLst>
-          </p:cNvPr>
-          <p:cNvSpPr/>
-          <p:nvPr/>
-        </p:nvSpPr>
-        <p:spPr>
-          <a:xfrm>
-            <a:off x="5894107" y="667071"/>
-            <a:ext cx="559293" cy="506028"/>
-          </a:xfrm>
-          <a:prstGeom prst="roundRect">
-            <a:avLst/>
-          </a:prstGeom>
-          <a:solidFill>
-            <a:schemeClr val="accent5">
-              <a:lumMod val="20000"/>
-              <a:lumOff val="80000"/>
-            </a:schemeClr>
-          </a:solidFill>
-        </p:spPr>
-        <p:style>
-          <a:lnRef idx="2">
-            <a:schemeClr val="dk1"/>
-          </a:lnRef>
-          <a:fillRef idx="1">
-            <a:schemeClr val="lt1"/>
-          </a:fillRef>
-          <a:effectRef idx="0">
-            <a:schemeClr val="dk1"/>
-          </a:effectRef>
-          <a:fontRef idx="minor">
-            <a:schemeClr val="dk1"/>
-          </a:fontRef>
-        </p:style>
-        <p:txBody>
-          <a:bodyPr rtlCol="0" anchor="ctr"/>
-          <a:lstStyle/>
-          <a:p>
-            <a:pPr algn="ctr"/>
-            <a:r>
-              <a:rPr lang="en-US" altLang="zh-CN" dirty="0"/>
-              <a:t>E</a:t>
-            </a:r>
-            <a:endParaRPr lang="zh-CN" altLang="en-US" dirty="0"/>
-          </a:p>
-        </p:txBody>
-      </p:sp>
-      <p:sp>
-        <p:nvSpPr>
-          <p:cNvPr id="16" name="矩形: 圆角 15">
-            <a:extLst>
-              <a:ext uri="{FF2B5EF4-FFF2-40B4-BE49-F238E27FC236}">
-                <a16:creationId xmlns:a16="http://schemas.microsoft.com/office/drawing/2014/main" id="{E22F66C6-FB19-4D1F-9751-900C776172D7}"/>
-              </a:ext>
-            </a:extLst>
-          </p:cNvPr>
-          <p:cNvSpPr/>
-          <p:nvPr/>
-        </p:nvSpPr>
-        <p:spPr>
-          <a:xfrm>
-            <a:off x="7571986" y="666690"/>
-            <a:ext cx="559293" cy="506028"/>
-          </a:xfrm>
-          <a:prstGeom prst="roundRect">
-            <a:avLst/>
-          </a:prstGeom>
-          <a:solidFill>
-            <a:schemeClr val="accent6">
-              <a:lumMod val="20000"/>
-              <a:lumOff val="80000"/>
-            </a:schemeClr>
-          </a:solidFill>
-        </p:spPr>
-        <p:style>
-          <a:lnRef idx="2">
-            <a:schemeClr val="dk1"/>
-          </a:lnRef>
-          <a:fillRef idx="1">
-            <a:schemeClr val="lt1"/>
-          </a:fillRef>
-          <a:effectRef idx="0">
-            <a:schemeClr val="dk1"/>
-          </a:effectRef>
-          <a:fontRef idx="minor">
-            <a:schemeClr val="dk1"/>
-          </a:fontRef>
-        </p:style>
-        <p:txBody>
-          <a:bodyPr rtlCol="0" anchor="ctr"/>
-          <a:lstStyle/>
-          <a:p>
-            <a:pPr algn="ctr"/>
-            <a:r>
-              <a:rPr lang="en-US" altLang="zh-CN" dirty="0"/>
-              <a:t>G</a:t>
-            </a:r>
-            <a:endParaRPr lang="zh-CN" altLang="en-US" dirty="0"/>
-          </a:p>
-        </p:txBody>
-      </p:sp>
-      <p:sp>
-        <p:nvSpPr>
-          <p:cNvPr id="5" name="文本框 4">
-            <a:extLst>
-              <a:ext uri="{FF2B5EF4-FFF2-40B4-BE49-F238E27FC236}">
-                <a16:creationId xmlns:a16="http://schemas.microsoft.com/office/drawing/2014/main" id="{E59BF187-B7ED-4487-8EF1-A1EC60E155F3}"/>
-              </a:ext>
-            </a:extLst>
-          </p:cNvPr>
-          <p:cNvSpPr txBox="1"/>
-          <p:nvPr/>
-        </p:nvSpPr>
-        <p:spPr>
-          <a:xfrm>
-            <a:off x="0" y="0"/>
-            <a:ext cx="2901462" cy="584775"/>
-          </a:xfrm>
-          <a:prstGeom prst="rect">
-            <a:avLst/>
-          </a:prstGeom>
-          <a:noFill/>
-        </p:spPr>
-        <p:txBody>
-          <a:bodyPr wrap="square" rtlCol="0">
-            <a:spAutoFit/>
-          </a:bodyPr>
-          <a:lstStyle/>
-          <a:p>
-            <a:r>
-              <a:rPr lang="zh-CN" altLang="en-US" sz="3200" b="1" dirty="0">
-                <a:latin typeface="微软雅黑" panose="020B0503020204020204" pitchFamily="34" charset="-122"/>
-                <a:ea typeface="微软雅黑" panose="020B0503020204020204" pitchFamily="34" charset="-122"/>
-              </a:rPr>
-              <a:t>后序遍历</a:t>
-            </a:r>
-          </a:p>
-        </p:txBody>
-      </p:sp>
-      <p:sp>
-        <p:nvSpPr>
-          <p:cNvPr id="9" name="矩形: 圆角 8">
-            <a:extLst>
-              <a:ext uri="{FF2B5EF4-FFF2-40B4-BE49-F238E27FC236}">
-                <a16:creationId xmlns:a16="http://schemas.microsoft.com/office/drawing/2014/main" id="{0E7096A5-7B13-4D63-B410-5218ADC2079F}"/>
-              </a:ext>
-            </a:extLst>
-          </p:cNvPr>
-          <p:cNvSpPr/>
-          <p:nvPr/>
-        </p:nvSpPr>
-        <p:spPr>
-          <a:xfrm>
-            <a:off x="5334814" y="667071"/>
-            <a:ext cx="559293" cy="506028"/>
-          </a:xfrm>
-          <a:prstGeom prst="roundRect">
-            <a:avLst/>
-          </a:prstGeom>
-          <a:solidFill>
-            <a:schemeClr val="accent5">
-              <a:lumMod val="20000"/>
-              <a:lumOff val="80000"/>
-            </a:schemeClr>
-          </a:solidFill>
-        </p:spPr>
-        <p:style>
-          <a:lnRef idx="2">
-            <a:schemeClr val="dk1"/>
-          </a:lnRef>
-          <a:fillRef idx="1">
-            <a:schemeClr val="lt1"/>
-          </a:fillRef>
-          <a:effectRef idx="0">
-            <a:schemeClr val="dk1"/>
-          </a:effectRef>
-          <a:fontRef idx="minor">
-            <a:schemeClr val="dk1"/>
-          </a:fontRef>
-        </p:style>
-        <p:txBody>
-          <a:bodyPr rtlCol="0" anchor="ctr"/>
-          <a:lstStyle/>
-          <a:p>
-            <a:pPr algn="ctr"/>
-            <a:r>
-              <a:rPr lang="en-US" altLang="zh-CN" dirty="0"/>
-              <a:t>D</a:t>
-            </a:r>
-            <a:endParaRPr lang="zh-CN" altLang="en-US" dirty="0"/>
-          </a:p>
-        </p:txBody>
-      </p:sp>
-      <p:sp>
-        <p:nvSpPr>
-          <p:cNvPr id="10" name="矩形: 圆角 9">
-            <a:extLst>
-              <a:ext uri="{FF2B5EF4-FFF2-40B4-BE49-F238E27FC236}">
-                <a16:creationId xmlns:a16="http://schemas.microsoft.com/office/drawing/2014/main" id="{CAD52D5E-FFF1-4F3C-98C9-1B948ABB3AB9}"/>
-              </a:ext>
-            </a:extLst>
-          </p:cNvPr>
-          <p:cNvSpPr/>
-          <p:nvPr/>
-        </p:nvSpPr>
-        <p:spPr>
-          <a:xfrm>
-            <a:off x="6453400" y="667071"/>
-            <a:ext cx="559293" cy="506028"/>
-          </a:xfrm>
-          <a:prstGeom prst="roundRect">
-            <a:avLst/>
-          </a:prstGeom>
-          <a:solidFill>
-            <a:schemeClr val="accent5">
-              <a:lumMod val="20000"/>
-              <a:lumOff val="80000"/>
-            </a:schemeClr>
-          </a:solidFill>
-        </p:spPr>
-        <p:style>
-          <a:lnRef idx="2">
-            <a:schemeClr val="dk1"/>
-          </a:lnRef>
-          <a:fillRef idx="1">
-            <a:schemeClr val="lt1"/>
-          </a:fillRef>
-          <a:effectRef idx="0">
-            <a:schemeClr val="dk1"/>
-          </a:effectRef>
-          <a:fontRef idx="minor">
-            <a:schemeClr val="dk1"/>
-          </a:fontRef>
-        </p:style>
-        <p:txBody>
-          <a:bodyPr rtlCol="0" anchor="ctr"/>
-          <a:lstStyle/>
-          <a:p>
-            <a:pPr algn="ctr"/>
-            <a:r>
-              <a:rPr lang="en-US" altLang="zh-CN" dirty="0"/>
-              <a:t>B</a:t>
-            </a:r>
-            <a:endParaRPr lang="zh-CN" altLang="en-US" dirty="0"/>
-          </a:p>
-        </p:txBody>
-      </p:sp>
-      <p:sp>
-        <p:nvSpPr>
-          <p:cNvPr id="11" name="矩形: 圆角 10">
-            <a:extLst>
-              <a:ext uri="{FF2B5EF4-FFF2-40B4-BE49-F238E27FC236}">
-                <a16:creationId xmlns:a16="http://schemas.microsoft.com/office/drawing/2014/main" id="{2D4B56C6-C232-4BD1-A5C1-5FAA4C440BB0}"/>
-              </a:ext>
-            </a:extLst>
-          </p:cNvPr>
-          <p:cNvSpPr/>
-          <p:nvPr/>
-        </p:nvSpPr>
-        <p:spPr>
-          <a:xfrm>
-            <a:off x="7012693" y="666690"/>
-            <a:ext cx="559293" cy="506028"/>
-          </a:xfrm>
-          <a:prstGeom prst="roundRect">
-            <a:avLst/>
-          </a:prstGeom>
-          <a:solidFill>
-            <a:schemeClr val="accent6">
-              <a:lumMod val="20000"/>
-              <a:lumOff val="80000"/>
-            </a:schemeClr>
-          </a:solidFill>
-        </p:spPr>
-        <p:style>
-          <a:lnRef idx="2">
-            <a:schemeClr val="dk1"/>
-          </a:lnRef>
-          <a:fillRef idx="1">
-            <a:schemeClr val="lt1"/>
-          </a:fillRef>
-          <a:effectRef idx="0">
-            <a:schemeClr val="dk1"/>
-          </a:effectRef>
-          <a:fontRef idx="minor">
-            <a:schemeClr val="dk1"/>
-          </a:fontRef>
-        </p:style>
-        <p:txBody>
-          <a:bodyPr rtlCol="0" anchor="ctr"/>
-          <a:lstStyle/>
-          <a:p>
-            <a:pPr algn="ctr"/>
-            <a:r>
-              <a:rPr lang="en-US" altLang="zh-CN" dirty="0"/>
-              <a:t>F</a:t>
-            </a:r>
-            <a:endParaRPr lang="zh-CN" altLang="en-US" dirty="0"/>
-          </a:p>
-        </p:txBody>
-      </p:sp>
-      <p:sp>
-        <p:nvSpPr>
-          <p:cNvPr id="12" name="矩形: 圆角 11">
-            <a:extLst>
-              <a:ext uri="{FF2B5EF4-FFF2-40B4-BE49-F238E27FC236}">
-                <a16:creationId xmlns:a16="http://schemas.microsoft.com/office/drawing/2014/main" id="{43374892-4DB7-41F6-9DB6-9A53E254DAA5}"/>
-              </a:ext>
-            </a:extLst>
-          </p:cNvPr>
-          <p:cNvSpPr/>
-          <p:nvPr/>
-        </p:nvSpPr>
-        <p:spPr>
-          <a:xfrm>
-            <a:off x="8131279" y="666690"/>
-            <a:ext cx="559293" cy="506028"/>
-          </a:xfrm>
-          <a:prstGeom prst="roundRect">
-            <a:avLst/>
-          </a:prstGeom>
-          <a:solidFill>
-            <a:schemeClr val="accent6">
-              <a:lumMod val="20000"/>
-              <a:lumOff val="80000"/>
-            </a:schemeClr>
-          </a:solidFill>
-        </p:spPr>
-        <p:style>
-          <a:lnRef idx="2">
-            <a:schemeClr val="dk1"/>
-          </a:lnRef>
-          <a:fillRef idx="1">
-            <a:schemeClr val="lt1"/>
-          </a:fillRef>
-          <a:effectRef idx="0">
-            <a:schemeClr val="dk1"/>
-          </a:effectRef>
-          <a:fontRef idx="minor">
-            <a:schemeClr val="dk1"/>
-          </a:fontRef>
-        </p:style>
-        <p:txBody>
-          <a:bodyPr rtlCol="0" anchor="ctr"/>
-          <a:lstStyle/>
-          <a:p>
-            <a:pPr algn="ctr"/>
-            <a:r>
-              <a:rPr lang="en-US" altLang="zh-CN" dirty="0"/>
-              <a:t>C</a:t>
-            </a:r>
-            <a:endParaRPr lang="zh-CN" altLang="en-US" dirty="0"/>
-          </a:p>
-        </p:txBody>
-      </p:sp>
-      <p:pic>
-        <p:nvPicPr>
-          <p:cNvPr id="4" name="图片 3">
-            <a:extLst>
-              <a:ext uri="{FF2B5EF4-FFF2-40B4-BE49-F238E27FC236}">
-                <a16:creationId xmlns:a16="http://schemas.microsoft.com/office/drawing/2014/main" id="{250E2D5A-D66E-4A19-BFFC-7A66BE2FE8D2}"/>
-              </a:ext>
-            </a:extLst>
-          </p:cNvPr>
-          <p:cNvPicPr>
-            <a:picLocks noChangeAspect="1"/>
-          </p:cNvPicPr>
-          <p:nvPr/>
-        </p:nvPicPr>
-        <p:blipFill>
-          <a:blip r:embed="rId3"/>
-          <a:stretch>
-            <a:fillRect/>
-          </a:stretch>
-        </p:blipFill>
-        <p:spPr>
-          <a:xfrm>
-            <a:off x="0" y="780729"/>
-            <a:ext cx="3227271" cy="2808292"/>
-          </a:xfrm>
-          <a:prstGeom prst="rect">
-            <a:avLst/>
-          </a:prstGeom>
-        </p:spPr>
-      </p:pic>
-    </p:spTree>
-    <p:custDataLst>
-      <p:tags r:id="rId1"/>
-    </p:custDataLst>
-    <p:extLst>
-      <p:ext uri="{BB962C8B-B14F-4D97-AF65-F5344CB8AC3E}">
-        <p14:creationId xmlns:p14="http://schemas.microsoft.com/office/powerpoint/2010/main" val="2497783847"/>
-      </p:ext>
-    </p:extLst>
-  </p:cSld>
-  <p:clrMapOvr>
-    <a:masterClrMapping/>
-  </p:clrMapOvr>
-  <mc:AlternateContent xmlns:mc="http://schemas.openxmlformats.org/markup-compatibility/2006" xmlns:p14="http://schemas.microsoft.com/office/powerpoint/2010/main">
-    <mc:Choice Requires="p14">
-      <p:transition spd="slow" p14:dur="2000" advTm="2265"/>
-    </mc:Choice>
-    <mc:Fallback xmlns="">
-      <p:transition spd="slow" advTm="2265"/>
-    </mc:Fallback>
-  </mc:AlternateContent>
-</p:sld>
-</file>
-
-<file path=ppt/slides/slide8.xml><?xml version="1.0" encoding="utf-8"?>
+<file path=ppt/slides/slide5.xml><?xml version="1.0" encoding="utf-8"?>
 <p:sld xmlns:a="http://schemas.openxmlformats.org/drawingml/2006/main" xmlns:r="http://schemas.openxmlformats.org/officeDocument/2006/relationships" xmlns:p="http://schemas.openxmlformats.org/presentationml/2006/main">
   <p:cSld>
     <p:spTree>
@@ -6678,9 +5207,7 @@
           </a:prstGeom>
           <a:noFill/>
           <a:ln w="12700">
-            <a:solidFill>
-              <a:schemeClr val="tx1"/>
-            </a:solidFill>
+            <a:noFill/>
           </a:ln>
         </p:spPr>
         <p:txBody>
@@ -8757,24 +7284,6 @@
 </p:tagLst>
 </file>
 
-<file path=ppt/tags/tag6.xml><?xml version="1.0" encoding="utf-8"?>
-<p:tagLst xmlns:a="http://schemas.openxmlformats.org/drawingml/2006/main" xmlns:r="http://schemas.openxmlformats.org/officeDocument/2006/relationships" xmlns:p="http://schemas.openxmlformats.org/presentationml/2006/main">
-  <p:tag name="TIMING" val="|0.5|0.6|0.5"/>
-</p:tagLst>
-</file>
-
-<file path=ppt/tags/tag7.xml><?xml version="1.0" encoding="utf-8"?>
-<p:tagLst xmlns:a="http://schemas.openxmlformats.org/drawingml/2006/main" xmlns:r="http://schemas.openxmlformats.org/officeDocument/2006/relationships" xmlns:p="http://schemas.openxmlformats.org/presentationml/2006/main">
-  <p:tag name="TIMING" val="|0.5|0.6|0.5"/>
-</p:tagLst>
-</file>
-
-<file path=ppt/tags/tag8.xml><?xml version="1.0" encoding="utf-8"?>
-<p:tagLst xmlns:a="http://schemas.openxmlformats.org/drawingml/2006/main" xmlns:r="http://schemas.openxmlformats.org/officeDocument/2006/relationships" xmlns:p="http://schemas.openxmlformats.org/presentationml/2006/main">
-  <p:tag name="TIMING" val="|0.5|0.6|0.5"/>
-</p:tagLst>
-</file>
-
 <file path=ppt/theme/theme1.xml><?xml version="1.0" encoding="utf-8"?>
 <a:theme xmlns:a="http://schemas.openxmlformats.org/drawingml/2006/main" name="Office 主题​​">
   <a:themeElements>
